--- a/Esercitazione_9/esercitazione9.pptx
+++ b/Esercitazione_9/esercitazione9.pptx
@@ -747,7 +747,7 @@
           <a:noFill/>
           <a:extLst>
             <a:ext uri="{909E8E84-426E-40dd-AFC4-6F175D3DCCD1}">
-              <a14:hiddenFill xmlns="" xmlns:a14="http://schemas.microsoft.com/office/drawing/2010/main">
+              <a14:hiddenFill xmlns:a14="http://schemas.microsoft.com/office/drawing/2010/main" xmlns="">
                 <a:solidFill>
                   <a:srgbClr val="FFFFFF"/>
                 </a:solidFill>
@@ -807,7 +807,7 @@
             </a:ln>
             <a:extLst>
               <a:ext uri="{91240B29-F687-4f45-9708-019B960494DF}">
-                <a14:hiddenLine xmlns="" xmlns:a14="http://schemas.microsoft.com/office/drawing/2010/main" w="9525">
+                <a14:hiddenLine xmlns:a14="http://schemas.microsoft.com/office/drawing/2010/main" xmlns="" w="9525">
                   <a:solidFill>
                     <a:srgbClr val="000000"/>
                   </a:solidFill>
@@ -897,7 +897,7 @@
             </a:ln>
             <a:extLst>
               <a:ext uri="{91240B29-F687-4f45-9708-019B960494DF}">
-                <a14:hiddenLine xmlns="" xmlns:a14="http://schemas.microsoft.com/office/drawing/2010/main" w="9525">
+                <a14:hiddenLine xmlns:a14="http://schemas.microsoft.com/office/drawing/2010/main" xmlns="" w="9525">
                   <a:solidFill>
                     <a:srgbClr val="000000"/>
                   </a:solidFill>
@@ -987,7 +987,7 @@
             </a:ln>
             <a:extLst>
               <a:ext uri="{91240B29-F687-4f45-9708-019B960494DF}">
-                <a14:hiddenLine xmlns="" xmlns:a14="http://schemas.microsoft.com/office/drawing/2010/main" w="9525">
+                <a14:hiddenLine xmlns:a14="http://schemas.microsoft.com/office/drawing/2010/main" xmlns="" w="9525">
                   <a:solidFill>
                     <a:srgbClr val="000000"/>
                   </a:solidFill>
@@ -1021,7 +1021,7 @@
             </a:ln>
             <a:extLst>
               <a:ext uri="{91240B29-F687-4f45-9708-019B960494DF}">
-                <a14:hiddenLine xmlns="" xmlns:a14="http://schemas.microsoft.com/office/drawing/2010/main" w="9525">
+                <a14:hiddenLine xmlns:a14="http://schemas.microsoft.com/office/drawing/2010/main" xmlns="" w="9525">
                   <a:solidFill>
                     <a:srgbClr val="000000"/>
                   </a:solidFill>
@@ -1111,7 +1111,7 @@
             </a:ln>
             <a:extLst>
               <a:ext uri="{91240B29-F687-4f45-9708-019B960494DF}">
-                <a14:hiddenLine xmlns="" xmlns:a14="http://schemas.microsoft.com/office/drawing/2010/main" w="9525">
+                <a14:hiddenLine xmlns:a14="http://schemas.microsoft.com/office/drawing/2010/main" xmlns="" w="9525">
                   <a:solidFill>
                     <a:srgbClr val="000000"/>
                   </a:solidFill>
@@ -1173,7 +1173,7 @@
             </a:ln>
             <a:extLst>
               <a:ext uri="{91240B29-F687-4f45-9708-019B960494DF}">
-                <a14:hiddenLine xmlns="" xmlns:a14="http://schemas.microsoft.com/office/drawing/2010/main" w="9525">
+                <a14:hiddenLine xmlns:a14="http://schemas.microsoft.com/office/drawing/2010/main" xmlns="" w="9525">
                   <a:solidFill>
                     <a:srgbClr val="000000"/>
                   </a:solidFill>
@@ -1235,7 +1235,7 @@
             </a:ln>
             <a:extLst>
               <a:ext uri="{91240B29-F687-4f45-9708-019B960494DF}">
-                <a14:hiddenLine xmlns="" xmlns:a14="http://schemas.microsoft.com/office/drawing/2010/main" w="9525">
+                <a14:hiddenLine xmlns:a14="http://schemas.microsoft.com/office/drawing/2010/main" xmlns="" w="9525">
                   <a:solidFill>
                     <a:srgbClr val="000000"/>
                   </a:solidFill>
@@ -1325,7 +1325,7 @@
             </a:ln>
             <a:extLst>
               <a:ext uri="{91240B29-F687-4f45-9708-019B960494DF}">
-                <a14:hiddenLine xmlns="" xmlns:a14="http://schemas.microsoft.com/office/drawing/2010/main" w="9525">
+                <a14:hiddenLine xmlns:a14="http://schemas.microsoft.com/office/drawing/2010/main" xmlns="" w="9525">
                   <a:solidFill>
                     <a:srgbClr val="000000"/>
                   </a:solidFill>
@@ -1387,7 +1387,7 @@
             </a:ln>
             <a:extLst>
               <a:ext uri="{91240B29-F687-4f45-9708-019B960494DF}">
-                <a14:hiddenLine xmlns="" xmlns:a14="http://schemas.microsoft.com/office/drawing/2010/main" w="9525">
+                <a14:hiddenLine xmlns:a14="http://schemas.microsoft.com/office/drawing/2010/main" xmlns="" w="9525">
                   <a:solidFill>
                     <a:srgbClr val="000000"/>
                   </a:solidFill>
@@ -1449,7 +1449,7 @@
             </a:ln>
             <a:extLst>
               <a:ext uri="{91240B29-F687-4f45-9708-019B960494DF}">
-                <a14:hiddenLine xmlns="" xmlns:a14="http://schemas.microsoft.com/office/drawing/2010/main" w="9525">
+                <a14:hiddenLine xmlns:a14="http://schemas.microsoft.com/office/drawing/2010/main" xmlns="" w="9525">
                   <a:solidFill>
                     <a:srgbClr val="000000"/>
                   </a:solidFill>
@@ -1539,7 +1539,7 @@
             </a:ln>
             <a:extLst>
               <a:ext uri="{91240B29-F687-4f45-9708-019B960494DF}">
-                <a14:hiddenLine xmlns="" xmlns:a14="http://schemas.microsoft.com/office/drawing/2010/main" w="9525">
+                <a14:hiddenLine xmlns:a14="http://schemas.microsoft.com/office/drawing/2010/main" xmlns="" w="9525">
                   <a:solidFill>
                     <a:srgbClr val="000000"/>
                   </a:solidFill>
@@ -1629,7 +1629,7 @@
             </a:ln>
             <a:extLst>
               <a:ext uri="{91240B29-F687-4f45-9708-019B960494DF}">
-                <a14:hiddenLine xmlns="" xmlns:a14="http://schemas.microsoft.com/office/drawing/2010/main" w="9525">
+                <a14:hiddenLine xmlns:a14="http://schemas.microsoft.com/office/drawing/2010/main" xmlns="" w="9525">
                   <a:solidFill>
                     <a:srgbClr val="000000"/>
                   </a:solidFill>
@@ -1691,7 +1691,7 @@
             </a:ln>
             <a:extLst>
               <a:ext uri="{91240B29-F687-4f45-9708-019B960494DF}">
-                <a14:hiddenLine xmlns="" xmlns:a14="http://schemas.microsoft.com/office/drawing/2010/main" w="9525">
+                <a14:hiddenLine xmlns:a14="http://schemas.microsoft.com/office/drawing/2010/main" xmlns="" w="9525">
                   <a:solidFill>
                     <a:srgbClr val="000000"/>
                   </a:solidFill>
@@ -1801,7 +1801,7 @@
             </a:ln>
             <a:extLst>
               <a:ext uri="{91240B29-F687-4f45-9708-019B960494DF}">
-                <a14:hiddenLine xmlns="" xmlns:a14="http://schemas.microsoft.com/office/drawing/2010/main" w="9525">
+                <a14:hiddenLine xmlns:a14="http://schemas.microsoft.com/office/drawing/2010/main" xmlns="" w="9525">
                   <a:solidFill>
                     <a:srgbClr val="000000"/>
                   </a:solidFill>
@@ -1863,7 +1863,7 @@
             </a:ln>
             <a:extLst>
               <a:ext uri="{91240B29-F687-4f45-9708-019B960494DF}">
-                <a14:hiddenLine xmlns="" xmlns:a14="http://schemas.microsoft.com/office/drawing/2010/main" w="9525">
+                <a14:hiddenLine xmlns:a14="http://schemas.microsoft.com/office/drawing/2010/main" xmlns="" w="9525">
                   <a:solidFill>
                     <a:srgbClr val="000000"/>
                   </a:solidFill>
@@ -1953,7 +1953,7 @@
             </a:ln>
             <a:extLst>
               <a:ext uri="{91240B29-F687-4f45-9708-019B960494DF}">
-                <a14:hiddenLine xmlns="" xmlns:a14="http://schemas.microsoft.com/office/drawing/2010/main" w="9525">
+                <a14:hiddenLine xmlns:a14="http://schemas.microsoft.com/office/drawing/2010/main" xmlns="" w="9525">
                   <a:solidFill>
                     <a:srgbClr val="000000"/>
                   </a:solidFill>
@@ -2043,7 +2043,7 @@
             </a:ln>
             <a:extLst>
               <a:ext uri="{91240B29-F687-4f45-9708-019B960494DF}">
-                <a14:hiddenLine xmlns="" xmlns:a14="http://schemas.microsoft.com/office/drawing/2010/main" w="9525">
+                <a14:hiddenLine xmlns:a14="http://schemas.microsoft.com/office/drawing/2010/main" xmlns="" w="9525">
                   <a:solidFill>
                     <a:srgbClr val="000000"/>
                   </a:solidFill>
@@ -2105,7 +2105,7 @@
             </a:ln>
             <a:extLst>
               <a:ext uri="{91240B29-F687-4f45-9708-019B960494DF}">
-                <a14:hiddenLine xmlns="" xmlns:a14="http://schemas.microsoft.com/office/drawing/2010/main" w="9525">
+                <a14:hiddenLine xmlns:a14="http://schemas.microsoft.com/office/drawing/2010/main" xmlns="" w="9525">
                   <a:solidFill>
                     <a:srgbClr val="000000"/>
                   </a:solidFill>
@@ -2195,7 +2195,7 @@
             </a:ln>
             <a:extLst>
               <a:ext uri="{91240B29-F687-4f45-9708-019B960494DF}">
-                <a14:hiddenLine xmlns="" xmlns:a14="http://schemas.microsoft.com/office/drawing/2010/main" w="9525">
+                <a14:hiddenLine xmlns:a14="http://schemas.microsoft.com/office/drawing/2010/main" xmlns="" w="9525">
                   <a:solidFill>
                     <a:srgbClr val="000000"/>
                   </a:solidFill>
@@ -2285,7 +2285,7 @@
             </a:ln>
             <a:extLst>
               <a:ext uri="{91240B29-F687-4f45-9708-019B960494DF}">
-                <a14:hiddenLine xmlns="" xmlns:a14="http://schemas.microsoft.com/office/drawing/2010/main" w="9525">
+                <a14:hiddenLine xmlns:a14="http://schemas.microsoft.com/office/drawing/2010/main" xmlns="" w="9525">
                   <a:solidFill>
                     <a:srgbClr val="000000"/>
                   </a:solidFill>
@@ -2341,7 +2341,7 @@
             </a:ln>
             <a:extLst>
               <a:ext uri="{91240B29-F687-4f45-9708-019B960494DF}">
-                <a14:hiddenLine xmlns="" xmlns:a14="http://schemas.microsoft.com/office/drawing/2010/main" w="9525">
+                <a14:hiddenLine xmlns:a14="http://schemas.microsoft.com/office/drawing/2010/main" xmlns="" w="9525">
                   <a:solidFill>
                     <a:srgbClr val="000000"/>
                   </a:solidFill>
@@ -2431,7 +2431,7 @@
             </a:ln>
             <a:extLst>
               <a:ext uri="{91240B29-F687-4f45-9708-019B960494DF}">
-                <a14:hiddenLine xmlns="" xmlns:a14="http://schemas.microsoft.com/office/drawing/2010/main" w="9525">
+                <a14:hiddenLine xmlns:a14="http://schemas.microsoft.com/office/drawing/2010/main" xmlns="" w="9525">
                   <a:solidFill>
                     <a:srgbClr val="000000"/>
                   </a:solidFill>
@@ -2487,7 +2487,7 @@
             </a:ln>
             <a:extLst>
               <a:ext uri="{91240B29-F687-4f45-9708-019B960494DF}">
-                <a14:hiddenLine xmlns="" xmlns:a14="http://schemas.microsoft.com/office/drawing/2010/main" w="9525">
+                <a14:hiddenLine xmlns:a14="http://schemas.microsoft.com/office/drawing/2010/main" xmlns="" w="9525">
                   <a:solidFill>
                     <a:srgbClr val="000000"/>
                   </a:solidFill>
@@ -2577,7 +2577,7 @@
             </a:ln>
             <a:extLst>
               <a:ext uri="{91240B29-F687-4f45-9708-019B960494DF}">
-                <a14:hiddenLine xmlns="" xmlns:a14="http://schemas.microsoft.com/office/drawing/2010/main" w="9525">
+                <a14:hiddenLine xmlns:a14="http://schemas.microsoft.com/office/drawing/2010/main" xmlns="" w="9525">
                   <a:solidFill>
                     <a:srgbClr val="000000"/>
                   </a:solidFill>
@@ -2645,7 +2645,7 @@
             </a:ln>
             <a:extLst>
               <a:ext uri="{91240B29-F687-4f45-9708-019B960494DF}">
-                <a14:hiddenLine xmlns="" xmlns:a14="http://schemas.microsoft.com/office/drawing/2010/main" w="9525">
+                <a14:hiddenLine xmlns:a14="http://schemas.microsoft.com/office/drawing/2010/main" xmlns="" w="9525">
                   <a:solidFill>
                     <a:srgbClr val="000000"/>
                   </a:solidFill>
@@ -2735,7 +2735,7 @@
             </a:ln>
             <a:extLst>
               <a:ext uri="{91240B29-F687-4f45-9708-019B960494DF}">
-                <a14:hiddenLine xmlns="" xmlns:a14="http://schemas.microsoft.com/office/drawing/2010/main" w="9525">
+                <a14:hiddenLine xmlns:a14="http://schemas.microsoft.com/office/drawing/2010/main" xmlns="" w="9525">
                   <a:solidFill>
                     <a:srgbClr val="000000"/>
                   </a:solidFill>
@@ -2803,7 +2803,7 @@
             </a:ln>
             <a:extLst>
               <a:ext uri="{91240B29-F687-4f45-9708-019B960494DF}">
-                <a14:hiddenLine xmlns="" xmlns:a14="http://schemas.microsoft.com/office/drawing/2010/main" w="9525">
+                <a14:hiddenLine xmlns:a14="http://schemas.microsoft.com/office/drawing/2010/main" xmlns="" w="9525">
                   <a:solidFill>
                     <a:srgbClr val="000000"/>
                   </a:solidFill>
@@ -2893,7 +2893,7 @@
             </a:ln>
             <a:extLst>
               <a:ext uri="{91240B29-F687-4f45-9708-019B960494DF}">
-                <a14:hiddenLine xmlns="" xmlns:a14="http://schemas.microsoft.com/office/drawing/2010/main" w="9525">
+                <a14:hiddenLine xmlns:a14="http://schemas.microsoft.com/office/drawing/2010/main" xmlns="" w="9525">
                   <a:solidFill>
                     <a:srgbClr val="000000"/>
                   </a:solidFill>
@@ -2927,7 +2927,7 @@
             </a:ln>
             <a:extLst>
               <a:ext uri="{91240B29-F687-4f45-9708-019B960494DF}">
-                <a14:hiddenLine xmlns="" xmlns:a14="http://schemas.microsoft.com/office/drawing/2010/main" w="9525">
+                <a14:hiddenLine xmlns:a14="http://schemas.microsoft.com/office/drawing/2010/main" xmlns="" w="9525">
                   <a:solidFill>
                     <a:srgbClr val="000000"/>
                   </a:solidFill>
@@ -3017,7 +3017,7 @@
             </a:ln>
             <a:extLst>
               <a:ext uri="{91240B29-F687-4f45-9708-019B960494DF}">
-                <a14:hiddenLine xmlns="" xmlns:a14="http://schemas.microsoft.com/office/drawing/2010/main" w="9525">
+                <a14:hiddenLine xmlns:a14="http://schemas.microsoft.com/office/drawing/2010/main" xmlns="" w="9525">
                   <a:solidFill>
                     <a:srgbClr val="000000"/>
                   </a:solidFill>
@@ -3079,7 +3079,7 @@
             </a:ln>
             <a:extLst>
               <a:ext uri="{91240B29-F687-4f45-9708-019B960494DF}">
-                <a14:hiddenLine xmlns="" xmlns:a14="http://schemas.microsoft.com/office/drawing/2010/main" w="9525">
+                <a14:hiddenLine xmlns:a14="http://schemas.microsoft.com/office/drawing/2010/main" xmlns="" w="9525">
                   <a:solidFill>
                     <a:srgbClr val="000000"/>
                   </a:solidFill>
@@ -3141,7 +3141,7 @@
             </a:ln>
             <a:extLst>
               <a:ext uri="{91240B29-F687-4f45-9708-019B960494DF}">
-                <a14:hiddenLine xmlns="" xmlns:a14="http://schemas.microsoft.com/office/drawing/2010/main" w="9525">
+                <a14:hiddenLine xmlns:a14="http://schemas.microsoft.com/office/drawing/2010/main" xmlns="" w="9525">
                   <a:solidFill>
                     <a:srgbClr val="000000"/>
                   </a:solidFill>
@@ -3231,7 +3231,7 @@
             </a:ln>
             <a:extLst>
               <a:ext uri="{91240B29-F687-4f45-9708-019B960494DF}">
-                <a14:hiddenLine xmlns="" xmlns:a14="http://schemas.microsoft.com/office/drawing/2010/main" w="9525">
+                <a14:hiddenLine xmlns:a14="http://schemas.microsoft.com/office/drawing/2010/main" xmlns="" w="9525">
                   <a:solidFill>
                     <a:srgbClr val="000000"/>
                   </a:solidFill>
@@ -3299,7 +3299,7 @@
             </a:ln>
             <a:extLst>
               <a:ext uri="{91240B29-F687-4f45-9708-019B960494DF}">
-                <a14:hiddenLine xmlns="" xmlns:a14="http://schemas.microsoft.com/office/drawing/2010/main" w="9525">
+                <a14:hiddenLine xmlns:a14="http://schemas.microsoft.com/office/drawing/2010/main" xmlns="" w="9525">
                   <a:solidFill>
                     <a:srgbClr val="000000"/>
                   </a:solidFill>
@@ -3361,7 +3361,7 @@
             </a:ln>
             <a:extLst>
               <a:ext uri="{91240B29-F687-4f45-9708-019B960494DF}">
-                <a14:hiddenLine xmlns="" xmlns:a14="http://schemas.microsoft.com/office/drawing/2010/main" w="9525">
+                <a14:hiddenLine xmlns:a14="http://schemas.microsoft.com/office/drawing/2010/main" xmlns="" w="9525">
                   <a:solidFill>
                     <a:srgbClr val="000000"/>
                   </a:solidFill>
@@ -3451,7 +3451,7 @@
             </a:ln>
             <a:extLst>
               <a:ext uri="{91240B29-F687-4f45-9708-019B960494DF}">
-                <a14:hiddenLine xmlns="" xmlns:a14="http://schemas.microsoft.com/office/drawing/2010/main" w="9525">
+                <a14:hiddenLine xmlns:a14="http://schemas.microsoft.com/office/drawing/2010/main" xmlns="" w="9525">
                   <a:solidFill>
                     <a:srgbClr val="000000"/>
                   </a:solidFill>
@@ -3513,7 +3513,7 @@
             </a:ln>
             <a:extLst>
               <a:ext uri="{91240B29-F687-4f45-9708-019B960494DF}">
-                <a14:hiddenLine xmlns="" xmlns:a14="http://schemas.microsoft.com/office/drawing/2010/main" w="9525">
+                <a14:hiddenLine xmlns:a14="http://schemas.microsoft.com/office/drawing/2010/main" xmlns="" w="9525">
                   <a:solidFill>
                     <a:srgbClr val="000000"/>
                   </a:solidFill>
@@ -3603,7 +3603,7 @@
             </a:ln>
             <a:extLst>
               <a:ext uri="{91240B29-F687-4f45-9708-019B960494DF}">
-                <a14:hiddenLine xmlns="" xmlns:a14="http://schemas.microsoft.com/office/drawing/2010/main" w="9525">
+                <a14:hiddenLine xmlns:a14="http://schemas.microsoft.com/office/drawing/2010/main" xmlns="" w="9525">
                   <a:solidFill>
                     <a:srgbClr val="000000"/>
                   </a:solidFill>
@@ -3665,7 +3665,7 @@
             </a:ln>
             <a:extLst>
               <a:ext uri="{91240B29-F687-4f45-9708-019B960494DF}">
-                <a14:hiddenLine xmlns="" xmlns:a14="http://schemas.microsoft.com/office/drawing/2010/main" w="9525">
+                <a14:hiddenLine xmlns:a14="http://schemas.microsoft.com/office/drawing/2010/main" xmlns="" w="9525">
                   <a:solidFill>
                     <a:srgbClr val="000000"/>
                   </a:solidFill>
@@ -3755,7 +3755,7 @@
             </a:ln>
             <a:extLst>
               <a:ext uri="{91240B29-F687-4f45-9708-019B960494DF}">
-                <a14:hiddenLine xmlns="" xmlns:a14="http://schemas.microsoft.com/office/drawing/2010/main" w="9525">
+                <a14:hiddenLine xmlns:a14="http://schemas.microsoft.com/office/drawing/2010/main" xmlns="" w="9525">
                   <a:solidFill>
                     <a:srgbClr val="000000"/>
                   </a:solidFill>
@@ -3789,7 +3789,7 @@
             </a:ln>
             <a:extLst>
               <a:ext uri="{91240B29-F687-4f45-9708-019B960494DF}">
-                <a14:hiddenLine xmlns="" xmlns:a14="http://schemas.microsoft.com/office/drawing/2010/main" w="9525">
+                <a14:hiddenLine xmlns:a14="http://schemas.microsoft.com/office/drawing/2010/main" xmlns="" w="9525">
                   <a:solidFill>
                     <a:srgbClr val="000000"/>
                   </a:solidFill>
@@ -3854,7 +3854,7 @@
             </a:ln>
             <a:extLst>
               <a:ext uri="{91240B29-F687-4f45-9708-019B960494DF}">
-                <a14:hiddenLine xmlns="" xmlns:a14="http://schemas.microsoft.com/office/drawing/2010/main" w="9525">
+                <a14:hiddenLine xmlns:a14="http://schemas.microsoft.com/office/drawing/2010/main" xmlns="" w="9525">
                   <a:solidFill>
                     <a:srgbClr val="000000"/>
                   </a:solidFill>
@@ -3944,7 +3944,7 @@
             </a:ln>
             <a:extLst>
               <a:ext uri="{91240B29-F687-4f45-9708-019B960494DF}">
-                <a14:hiddenLine xmlns="" xmlns:a14="http://schemas.microsoft.com/office/drawing/2010/main" w="9525">
+                <a14:hiddenLine xmlns:a14="http://schemas.microsoft.com/office/drawing/2010/main" xmlns="" w="9525">
                   <a:solidFill>
                     <a:srgbClr val="000000"/>
                   </a:solidFill>
@@ -4006,7 +4006,7 @@
             </a:ln>
             <a:extLst>
               <a:ext uri="{91240B29-F687-4f45-9708-019B960494DF}">
-                <a14:hiddenLine xmlns="" xmlns:a14="http://schemas.microsoft.com/office/drawing/2010/main" w="9525">
+                <a14:hiddenLine xmlns:a14="http://schemas.microsoft.com/office/drawing/2010/main" xmlns="" w="9525">
                   <a:solidFill>
                     <a:srgbClr val="000000"/>
                   </a:solidFill>
@@ -4096,7 +4096,7 @@
             </a:ln>
             <a:extLst>
               <a:ext uri="{91240B29-F687-4f45-9708-019B960494DF}">
-                <a14:hiddenLine xmlns="" xmlns:a14="http://schemas.microsoft.com/office/drawing/2010/main" w="9525">
+                <a14:hiddenLine xmlns:a14="http://schemas.microsoft.com/office/drawing/2010/main" xmlns="" w="9525">
                   <a:solidFill>
                     <a:srgbClr val="000000"/>
                   </a:solidFill>
@@ -4186,7 +4186,7 @@
             </a:ln>
             <a:extLst>
               <a:ext uri="{91240B29-F687-4f45-9708-019B960494DF}">
-                <a14:hiddenLine xmlns="" xmlns:a14="http://schemas.microsoft.com/office/drawing/2010/main" w="9525">
+                <a14:hiddenLine xmlns:a14="http://schemas.microsoft.com/office/drawing/2010/main" xmlns="" w="9525">
                   <a:solidFill>
                     <a:srgbClr val="000000"/>
                   </a:solidFill>
@@ -4251,7 +4251,7 @@
             </a:ln>
             <a:extLst>
               <a:ext uri="{91240B29-F687-4f45-9708-019B960494DF}">
-                <a14:hiddenLine xmlns="" xmlns:a14="http://schemas.microsoft.com/office/drawing/2010/main" w="9525">
+                <a14:hiddenLine xmlns:a14="http://schemas.microsoft.com/office/drawing/2010/main" xmlns="" w="9525">
                   <a:solidFill>
                     <a:srgbClr val="000000"/>
                   </a:solidFill>
@@ -4313,7 +4313,7 @@
             </a:ln>
             <a:extLst>
               <a:ext uri="{91240B29-F687-4f45-9708-019B960494DF}">
-                <a14:hiddenLine xmlns="" xmlns:a14="http://schemas.microsoft.com/office/drawing/2010/main" w="9525">
+                <a14:hiddenLine xmlns:a14="http://schemas.microsoft.com/office/drawing/2010/main" xmlns="" w="9525">
                   <a:solidFill>
                     <a:srgbClr val="000000"/>
                   </a:solidFill>
@@ -4403,7 +4403,7 @@
             </a:ln>
             <a:extLst>
               <a:ext uri="{91240B29-F687-4f45-9708-019B960494DF}">
-                <a14:hiddenLine xmlns="" xmlns:a14="http://schemas.microsoft.com/office/drawing/2010/main" w="9525">
+                <a14:hiddenLine xmlns:a14="http://schemas.microsoft.com/office/drawing/2010/main" xmlns="" w="9525">
                   <a:solidFill>
                     <a:srgbClr val="000000"/>
                   </a:solidFill>
@@ -4493,7 +4493,7 @@
             </a:ln>
             <a:extLst>
               <a:ext uri="{91240B29-F687-4f45-9708-019B960494DF}">
-                <a14:hiddenLine xmlns="" xmlns:a14="http://schemas.microsoft.com/office/drawing/2010/main" w="9525">
+                <a14:hiddenLine xmlns:a14="http://schemas.microsoft.com/office/drawing/2010/main" xmlns="" w="9525">
                   <a:solidFill>
                     <a:srgbClr val="000000"/>
                   </a:solidFill>
@@ -4555,7 +4555,7 @@
             </a:ln>
             <a:extLst>
               <a:ext uri="{91240B29-F687-4f45-9708-019B960494DF}">
-                <a14:hiddenLine xmlns="" xmlns:a14="http://schemas.microsoft.com/office/drawing/2010/main" w="9525">
+                <a14:hiddenLine xmlns:a14="http://schemas.microsoft.com/office/drawing/2010/main" xmlns="" w="9525">
                   <a:solidFill>
                     <a:srgbClr val="000000"/>
                   </a:solidFill>
@@ -4675,7 +4675,7 @@
             </a:ln>
             <a:extLst>
               <a:ext uri="{91240B29-F687-4f45-9708-019B960494DF}">
-                <a14:hiddenLine xmlns="" xmlns:a14="http://schemas.microsoft.com/office/drawing/2010/main" w="9525">
+                <a14:hiddenLine xmlns:a14="http://schemas.microsoft.com/office/drawing/2010/main" xmlns="" w="9525">
                   <a:solidFill>
                     <a:srgbClr val="000000"/>
                   </a:solidFill>
@@ -4743,7 +4743,7 @@
             </a:ln>
             <a:extLst>
               <a:ext uri="{91240B29-F687-4f45-9708-019B960494DF}">
-                <a14:hiddenLine xmlns="" xmlns:a14="http://schemas.microsoft.com/office/drawing/2010/main" w="9525">
+                <a14:hiddenLine xmlns:a14="http://schemas.microsoft.com/office/drawing/2010/main" xmlns="" w="9525">
                   <a:solidFill>
                     <a:srgbClr val="000000"/>
                   </a:solidFill>
@@ -4833,7 +4833,7 @@
             </a:ln>
             <a:extLst>
               <a:ext uri="{91240B29-F687-4f45-9708-019B960494DF}">
-                <a14:hiddenLine xmlns="" xmlns:a14="http://schemas.microsoft.com/office/drawing/2010/main" w="9525">
+                <a14:hiddenLine xmlns:a14="http://schemas.microsoft.com/office/drawing/2010/main" xmlns="" w="9525">
                   <a:solidFill>
                     <a:srgbClr val="000000"/>
                   </a:solidFill>
@@ -9738,7 +9738,7 @@
           <a:noFill/>
           <a:extLst>
             <a:ext uri="{909E8E84-426E-40dd-AFC4-6F175D3DCCD1}">
-              <a14:hiddenFill xmlns="" xmlns:a14="http://schemas.microsoft.com/office/drawing/2010/main">
+              <a14:hiddenFill xmlns:a14="http://schemas.microsoft.com/office/drawing/2010/main" xmlns="">
                 <a:solidFill>
                   <a:srgbClr val="FFFFFF"/>
                 </a:solidFill>
@@ -9812,7 +9812,7 @@
               </a:ln>
               <a:extLst>
                 <a:ext uri="{91240B29-F687-4f45-9708-019B960494DF}">
-                  <a14:hiddenLine xmlns="" xmlns:a14="http://schemas.microsoft.com/office/drawing/2010/main" w="9525">
+                  <a14:hiddenLine xmlns:a14="http://schemas.microsoft.com/office/drawing/2010/main" xmlns="" w="9525">
                     <a:solidFill>
                       <a:srgbClr val="000000"/>
                     </a:solidFill>
@@ -9902,7 +9902,7 @@
               </a:ln>
               <a:extLst>
                 <a:ext uri="{91240B29-F687-4f45-9708-019B960494DF}">
-                  <a14:hiddenLine xmlns="" xmlns:a14="http://schemas.microsoft.com/office/drawing/2010/main" w="9525">
+                  <a14:hiddenLine xmlns:a14="http://schemas.microsoft.com/office/drawing/2010/main" xmlns="" w="9525">
                     <a:solidFill>
                       <a:srgbClr val="000000"/>
                     </a:solidFill>
@@ -9992,7 +9992,7 @@
               </a:ln>
               <a:extLst>
                 <a:ext uri="{91240B29-F687-4f45-9708-019B960494DF}">
-                  <a14:hiddenLine xmlns="" xmlns:a14="http://schemas.microsoft.com/office/drawing/2010/main" w="9525">
+                  <a14:hiddenLine xmlns:a14="http://schemas.microsoft.com/office/drawing/2010/main" xmlns="" w="9525">
                     <a:solidFill>
                       <a:srgbClr val="000000"/>
                     </a:solidFill>
@@ -10054,7 +10054,7 @@
               </a:ln>
               <a:extLst>
                 <a:ext uri="{91240B29-F687-4f45-9708-019B960494DF}">
-                  <a14:hiddenLine xmlns="" xmlns:a14="http://schemas.microsoft.com/office/drawing/2010/main" w="9525">
+                  <a14:hiddenLine xmlns:a14="http://schemas.microsoft.com/office/drawing/2010/main" xmlns="" w="9525">
                     <a:solidFill>
                       <a:srgbClr val="000000"/>
                     </a:solidFill>
@@ -10144,7 +10144,7 @@
               </a:ln>
               <a:extLst>
                 <a:ext uri="{91240B29-F687-4f45-9708-019B960494DF}">
-                  <a14:hiddenLine xmlns="" xmlns:a14="http://schemas.microsoft.com/office/drawing/2010/main" w="9525">
+                  <a14:hiddenLine xmlns:a14="http://schemas.microsoft.com/office/drawing/2010/main" xmlns="" w="9525">
                     <a:solidFill>
                       <a:srgbClr val="000000"/>
                     </a:solidFill>
@@ -10206,7 +10206,7 @@
               </a:ln>
               <a:extLst>
                 <a:ext uri="{91240B29-F687-4f45-9708-019B960494DF}">
-                  <a14:hiddenLine xmlns="" xmlns:a14="http://schemas.microsoft.com/office/drawing/2010/main" w="9525">
+                  <a14:hiddenLine xmlns:a14="http://schemas.microsoft.com/office/drawing/2010/main" xmlns="" w="9525">
                     <a:solidFill>
                       <a:srgbClr val="000000"/>
                     </a:solidFill>
@@ -10268,7 +10268,7 @@
               </a:ln>
               <a:extLst>
                 <a:ext uri="{91240B29-F687-4f45-9708-019B960494DF}">
-                  <a14:hiddenLine xmlns="" xmlns:a14="http://schemas.microsoft.com/office/drawing/2010/main" w="9525">
+                  <a14:hiddenLine xmlns:a14="http://schemas.microsoft.com/office/drawing/2010/main" xmlns="" w="9525">
                     <a:solidFill>
                       <a:srgbClr val="000000"/>
                     </a:solidFill>
@@ -10358,7 +10358,7 @@
               </a:ln>
               <a:extLst>
                 <a:ext uri="{91240B29-F687-4f45-9708-019B960494DF}">
-                  <a14:hiddenLine xmlns="" xmlns:a14="http://schemas.microsoft.com/office/drawing/2010/main" w="9525">
+                  <a14:hiddenLine xmlns:a14="http://schemas.microsoft.com/office/drawing/2010/main" xmlns="" w="9525">
                     <a:solidFill>
                       <a:srgbClr val="000000"/>
                     </a:solidFill>
@@ -10448,7 +10448,7 @@
               </a:ln>
               <a:extLst>
                 <a:ext uri="{91240B29-F687-4f45-9708-019B960494DF}">
-                  <a14:hiddenLine xmlns="" xmlns:a14="http://schemas.microsoft.com/office/drawing/2010/main" w="9525">
+                  <a14:hiddenLine xmlns:a14="http://schemas.microsoft.com/office/drawing/2010/main" xmlns="" w="9525">
                     <a:solidFill>
                       <a:srgbClr val="000000"/>
                     </a:solidFill>
@@ -10510,7 +10510,7 @@
               </a:ln>
               <a:extLst>
                 <a:ext uri="{91240B29-F687-4f45-9708-019B960494DF}">
-                  <a14:hiddenLine xmlns="" xmlns:a14="http://schemas.microsoft.com/office/drawing/2010/main" w="9525">
+                  <a14:hiddenLine xmlns:a14="http://schemas.microsoft.com/office/drawing/2010/main" xmlns="" w="9525">
                     <a:solidFill>
                       <a:srgbClr val="000000"/>
                     </a:solidFill>
@@ -10620,7 +10620,7 @@
               </a:ln>
               <a:extLst>
                 <a:ext uri="{91240B29-F687-4f45-9708-019B960494DF}">
-                  <a14:hiddenLine xmlns="" xmlns:a14="http://schemas.microsoft.com/office/drawing/2010/main" w="9525">
+                  <a14:hiddenLine xmlns:a14="http://schemas.microsoft.com/office/drawing/2010/main" xmlns="" w="9525">
                     <a:solidFill>
                       <a:srgbClr val="000000"/>
                     </a:solidFill>
@@ -10704,7 +10704,7 @@
               </a:ln>
               <a:extLst>
                 <a:ext uri="{91240B29-F687-4f45-9708-019B960494DF}">
-                  <a14:hiddenLine xmlns="" xmlns:a14="http://schemas.microsoft.com/office/drawing/2010/main" w="9525">
+                  <a14:hiddenLine xmlns:a14="http://schemas.microsoft.com/office/drawing/2010/main" xmlns="" w="9525">
                     <a:solidFill>
                       <a:srgbClr val="000000"/>
                     </a:solidFill>
@@ -10766,7 +10766,7 @@
               </a:ln>
               <a:extLst>
                 <a:ext uri="{91240B29-F687-4f45-9708-019B960494DF}">
-                  <a14:hiddenLine xmlns="" xmlns:a14="http://schemas.microsoft.com/office/drawing/2010/main" w="9525">
+                  <a14:hiddenLine xmlns:a14="http://schemas.microsoft.com/office/drawing/2010/main" xmlns="" w="9525">
                     <a:solidFill>
                       <a:srgbClr val="000000"/>
                     </a:solidFill>
@@ -10828,7 +10828,7 @@
               </a:ln>
               <a:extLst>
                 <a:ext uri="{91240B29-F687-4f45-9708-019B960494DF}">
-                  <a14:hiddenLine xmlns="" xmlns:a14="http://schemas.microsoft.com/office/drawing/2010/main" w="9525">
+                  <a14:hiddenLine xmlns:a14="http://schemas.microsoft.com/office/drawing/2010/main" xmlns="" w="9525">
                     <a:solidFill>
                       <a:srgbClr val="000000"/>
                     </a:solidFill>
@@ -10918,7 +10918,7 @@
               </a:ln>
               <a:extLst>
                 <a:ext uri="{91240B29-F687-4f45-9708-019B960494DF}">
-                  <a14:hiddenLine xmlns="" xmlns:a14="http://schemas.microsoft.com/office/drawing/2010/main" w="9525">
+                  <a14:hiddenLine xmlns:a14="http://schemas.microsoft.com/office/drawing/2010/main" xmlns="" w="9525">
                     <a:solidFill>
                       <a:srgbClr val="000000"/>
                     </a:solidFill>
@@ -10952,7 +10952,7 @@
               </a:ln>
               <a:extLst>
                 <a:ext uri="{91240B29-F687-4f45-9708-019B960494DF}">
-                  <a14:hiddenLine xmlns="" xmlns:a14="http://schemas.microsoft.com/office/drawing/2010/main" w="9525">
+                  <a14:hiddenLine xmlns:a14="http://schemas.microsoft.com/office/drawing/2010/main" xmlns="" w="9525">
                     <a:solidFill>
                       <a:srgbClr val="000000"/>
                     </a:solidFill>
@@ -11017,7 +11017,7 @@
               </a:ln>
               <a:extLst>
                 <a:ext uri="{91240B29-F687-4f45-9708-019B960494DF}">
-                  <a14:hiddenLine xmlns="" xmlns:a14="http://schemas.microsoft.com/office/drawing/2010/main" w="9525">
+                  <a14:hiddenLine xmlns:a14="http://schemas.microsoft.com/office/drawing/2010/main" xmlns="" w="9525">
                     <a:solidFill>
                       <a:srgbClr val="000000"/>
                     </a:solidFill>
@@ -11107,7 +11107,7 @@
               </a:ln>
               <a:extLst>
                 <a:ext uri="{91240B29-F687-4f45-9708-019B960494DF}">
-                  <a14:hiddenLine xmlns="" xmlns:a14="http://schemas.microsoft.com/office/drawing/2010/main" w="9525">
+                  <a14:hiddenLine xmlns:a14="http://schemas.microsoft.com/office/drawing/2010/main" xmlns="" w="9525">
                     <a:solidFill>
                       <a:srgbClr val="000000"/>
                     </a:solidFill>
@@ -11169,7 +11169,7 @@
               </a:ln>
               <a:extLst>
                 <a:ext uri="{91240B29-F687-4f45-9708-019B960494DF}">
-                  <a14:hiddenLine xmlns="" xmlns:a14="http://schemas.microsoft.com/office/drawing/2010/main" w="9525">
+                  <a14:hiddenLine xmlns:a14="http://schemas.microsoft.com/office/drawing/2010/main" xmlns="" w="9525">
                     <a:solidFill>
                       <a:srgbClr val="000000"/>
                     </a:solidFill>
@@ -11259,7 +11259,7 @@
               </a:ln>
               <a:extLst>
                 <a:ext uri="{91240B29-F687-4f45-9708-019B960494DF}">
-                  <a14:hiddenLine xmlns="" xmlns:a14="http://schemas.microsoft.com/office/drawing/2010/main" w="9525">
+                  <a14:hiddenLine xmlns:a14="http://schemas.microsoft.com/office/drawing/2010/main" xmlns="" w="9525">
                     <a:solidFill>
                       <a:srgbClr val="000000"/>
                     </a:solidFill>
@@ -11324,7 +11324,7 @@
               </a:ln>
               <a:extLst>
                 <a:ext uri="{91240B29-F687-4f45-9708-019B960494DF}">
-                  <a14:hiddenLine xmlns="" xmlns:a14="http://schemas.microsoft.com/office/drawing/2010/main" w="9525">
+                  <a14:hiddenLine xmlns:a14="http://schemas.microsoft.com/office/drawing/2010/main" xmlns="" w="9525">
                     <a:solidFill>
                       <a:srgbClr val="000000"/>
                     </a:solidFill>
@@ -11386,7 +11386,7 @@
               </a:ln>
               <a:extLst>
                 <a:ext uri="{91240B29-F687-4f45-9708-019B960494DF}">
-                  <a14:hiddenLine xmlns="" xmlns:a14="http://schemas.microsoft.com/office/drawing/2010/main" w="9525">
+                  <a14:hiddenLine xmlns:a14="http://schemas.microsoft.com/office/drawing/2010/main" xmlns="" w="9525">
                     <a:solidFill>
                       <a:srgbClr val="000000"/>
                     </a:solidFill>
@@ -11476,7 +11476,7 @@
               </a:ln>
               <a:extLst>
                 <a:ext uri="{91240B29-F687-4f45-9708-019B960494DF}">
-                  <a14:hiddenLine xmlns="" xmlns:a14="http://schemas.microsoft.com/office/drawing/2010/main" w="9525">
+                  <a14:hiddenLine xmlns:a14="http://schemas.microsoft.com/office/drawing/2010/main" xmlns="" w="9525">
                     <a:solidFill>
                       <a:srgbClr val="000000"/>
                     </a:solidFill>
@@ -11566,7 +11566,7 @@
               </a:ln>
               <a:extLst>
                 <a:ext uri="{91240B29-F687-4f45-9708-019B960494DF}">
-                  <a14:hiddenLine xmlns="" xmlns:a14="http://schemas.microsoft.com/office/drawing/2010/main" w="9525">
+                  <a14:hiddenLine xmlns:a14="http://schemas.microsoft.com/office/drawing/2010/main" xmlns="" w="9525">
                     <a:solidFill>
                       <a:srgbClr val="000000"/>
                     </a:solidFill>
@@ -11631,7 +11631,7 @@
               </a:ln>
               <a:extLst>
                 <a:ext uri="{91240B29-F687-4f45-9708-019B960494DF}">
-                  <a14:hiddenLine xmlns="" xmlns:a14="http://schemas.microsoft.com/office/drawing/2010/main" w="9525">
+                  <a14:hiddenLine xmlns:a14="http://schemas.microsoft.com/office/drawing/2010/main" xmlns="" w="9525">
                     <a:solidFill>
                       <a:srgbClr val="000000"/>
                     </a:solidFill>
@@ -11751,7 +11751,7 @@
               </a:ln>
               <a:extLst>
                 <a:ext uri="{91240B29-F687-4f45-9708-019B960494DF}">
-                  <a14:hiddenLine xmlns="" xmlns:a14="http://schemas.microsoft.com/office/drawing/2010/main" w="9525">
+                  <a14:hiddenLine xmlns:a14="http://schemas.microsoft.com/office/drawing/2010/main" xmlns="" w="9525">
                     <a:solidFill>
                       <a:srgbClr val="000000"/>
                     </a:solidFill>
@@ -11849,7 +11849,7 @@
               </a:ln>
               <a:extLst>
                 <a:ext uri="{91240B29-F687-4f45-9708-019B960494DF}">
-                  <a14:hiddenLine xmlns="" xmlns:a14="http://schemas.microsoft.com/office/drawing/2010/main" w="9525">
+                  <a14:hiddenLine xmlns:a14="http://schemas.microsoft.com/office/drawing/2010/main" xmlns="" w="9525">
                     <a:solidFill>
                       <a:srgbClr val="000000"/>
                     </a:solidFill>
@@ -11964,7 +11964,7 @@
               </a:ln>
               <a:extLst>
                 <a:ext uri="{91240B29-F687-4f45-9708-019B960494DF}">
-                  <a14:hiddenLine xmlns="" xmlns:a14="http://schemas.microsoft.com/office/drawing/2010/main" w="9525">
+                  <a14:hiddenLine xmlns:a14="http://schemas.microsoft.com/office/drawing/2010/main" xmlns="" w="9525">
                     <a:solidFill>
                       <a:srgbClr val="000000"/>
                     </a:solidFill>
@@ -12054,7 +12054,7 @@
               </a:ln>
               <a:extLst>
                 <a:ext uri="{91240B29-F687-4f45-9708-019B960494DF}">
-                  <a14:hiddenLine xmlns="" xmlns:a14="http://schemas.microsoft.com/office/drawing/2010/main" w="9525">
+                  <a14:hiddenLine xmlns:a14="http://schemas.microsoft.com/office/drawing/2010/main" xmlns="" w="9525">
                     <a:solidFill>
                       <a:srgbClr val="000000"/>
                     </a:solidFill>
@@ -12119,7 +12119,7 @@
               </a:ln>
               <a:extLst>
                 <a:ext uri="{91240B29-F687-4f45-9708-019B960494DF}">
-                  <a14:hiddenLine xmlns="" xmlns:a14="http://schemas.microsoft.com/office/drawing/2010/main" w="9525">
+                  <a14:hiddenLine xmlns:a14="http://schemas.microsoft.com/office/drawing/2010/main" xmlns="" w="9525">
                     <a:solidFill>
                       <a:srgbClr val="000000"/>
                     </a:solidFill>
@@ -12209,7 +12209,7 @@
               </a:ln>
               <a:extLst>
                 <a:ext uri="{91240B29-F687-4f45-9708-019B960494DF}">
-                  <a14:hiddenLine xmlns="" xmlns:a14="http://schemas.microsoft.com/office/drawing/2010/main" w="9525">
+                  <a14:hiddenLine xmlns:a14="http://schemas.microsoft.com/office/drawing/2010/main" xmlns="" w="9525">
                     <a:solidFill>
                       <a:srgbClr val="000000"/>
                     </a:solidFill>
@@ -12277,7 +12277,7 @@
               </a:ln>
               <a:extLst>
                 <a:ext uri="{91240B29-F687-4f45-9708-019B960494DF}">
-                  <a14:hiddenLine xmlns="" xmlns:a14="http://schemas.microsoft.com/office/drawing/2010/main" w="9525">
+                  <a14:hiddenLine xmlns:a14="http://schemas.microsoft.com/office/drawing/2010/main" xmlns="" w="9525">
                     <a:solidFill>
                       <a:srgbClr val="000000"/>
                     </a:solidFill>
@@ -12367,7 +12367,7 @@
               </a:ln>
               <a:extLst>
                 <a:ext uri="{91240B29-F687-4f45-9708-019B960494DF}">
-                  <a14:hiddenLine xmlns="" xmlns:a14="http://schemas.microsoft.com/office/drawing/2010/main" w="9525">
+                  <a14:hiddenLine xmlns:a14="http://schemas.microsoft.com/office/drawing/2010/main" xmlns="" w="9525">
                     <a:solidFill>
                       <a:srgbClr val="000000"/>
                     </a:solidFill>
@@ -12435,7 +12435,7 @@
               </a:ln>
               <a:extLst>
                 <a:ext uri="{91240B29-F687-4f45-9708-019B960494DF}">
-                  <a14:hiddenLine xmlns="" xmlns:a14="http://schemas.microsoft.com/office/drawing/2010/main" w="9525">
+                  <a14:hiddenLine xmlns:a14="http://schemas.microsoft.com/office/drawing/2010/main" xmlns="" w="9525">
                     <a:solidFill>
                       <a:srgbClr val="000000"/>
                     </a:solidFill>
@@ -12525,7 +12525,7 @@
               </a:ln>
               <a:extLst>
                 <a:ext uri="{91240B29-F687-4f45-9708-019B960494DF}">
-                  <a14:hiddenLine xmlns="" xmlns:a14="http://schemas.microsoft.com/office/drawing/2010/main" w="9525">
+                  <a14:hiddenLine xmlns:a14="http://schemas.microsoft.com/office/drawing/2010/main" xmlns="" w="9525">
                     <a:solidFill>
                       <a:srgbClr val="000000"/>
                     </a:solidFill>
@@ -12559,7 +12559,7 @@
               </a:ln>
               <a:extLst>
                 <a:ext uri="{91240B29-F687-4f45-9708-019B960494DF}">
-                  <a14:hiddenLine xmlns="" xmlns:a14="http://schemas.microsoft.com/office/drawing/2010/main" w="9525">
+                  <a14:hiddenLine xmlns:a14="http://schemas.microsoft.com/office/drawing/2010/main" xmlns="" w="9525">
                     <a:solidFill>
                       <a:srgbClr val="000000"/>
                     </a:solidFill>
@@ -14134,41 +14134,6 @@
           </a:p>
         </p:txBody>
       </p:sp>
-      <p:pic>
-        <p:nvPicPr>
-          <p:cNvPr id="27" name="Elemento grafico 26" descr="Idrante antincendio rotto con riempimento a tinta unita">
-            <a:extLst>
-              <a:ext uri="{FF2B5EF4-FFF2-40B4-BE49-F238E27FC236}">
-                <a16:creationId xmlns:a16="http://schemas.microsoft.com/office/drawing/2014/main" id="{6AED2CD4-7E9D-48D4-92CC-DD47C6F6E2CB}"/>
-              </a:ext>
-            </a:extLst>
-          </p:cNvPr>
-          <p:cNvPicPr>
-            <a:picLocks noChangeAspect="1"/>
-          </p:cNvPicPr>
-          <p:nvPr/>
-        </p:nvPicPr>
-        <p:blipFill>
-          <a:blip r:embed="rId19">
-            <a:extLst>
-              <a:ext uri="{96DAC541-7B7A-43D3-8B79-37D633B846F1}">
-                <asvg:svgBlip xmlns:asvg="http://schemas.microsoft.com/office/drawing/2016/SVG/main" r:embed="rId20"/>
-              </a:ext>
-            </a:extLst>
-          </a:blip>
-          <a:srcRect/>
-          <a:stretch/>
-        </p:blipFill>
-        <p:spPr>
-          <a:xfrm>
-            <a:off x="336049" y="5356528"/>
-            <a:ext cx="720000" cy="720000"/>
-          </a:xfrm>
-          <a:prstGeom prst="rect">
-            <a:avLst/>
-          </a:prstGeom>
-        </p:spPr>
-      </p:pic>
       <p:sp>
         <p:nvSpPr>
           <p:cNvPr id="2" name="CasellaDiTesto 1">
@@ -14225,7 +14190,7 @@
         <p:spPr>
           <a:xfrm>
             <a:off x="2612520" y="1834915"/>
-            <a:ext cx="8039819" cy="3416320"/>
+            <a:ext cx="8039819" cy="2308324"/>
           </a:xfrm>
           <a:prstGeom prst="rect">
             <a:avLst/>
@@ -14244,7 +14209,7 @@
             </a:pPr>
             <a:r>
               <a:rPr lang="it-IT" sz="2400" dirty="0"/>
-              <a:t>Contare i caratteri, le parole e le linee di un file di testo presente sul server remoto.</a:t>
+              <a:t>Gestione di una struttura dati memorizzata in remoto</a:t>
             </a:r>
           </a:p>
           <a:p>
@@ -14261,7 +14226,7 @@
             </a:pPr>
             <a:r>
               <a:rPr lang="it-IT" sz="2400" dirty="0"/>
-              <a:t>Contare il numero di file (presenti nel direttorio remoto indicato dal client) la cui dimensione è maggiore di un intero indicato dal client.</a:t>
+              <a:t>Operazioni di lettura/scrittura sulla struttura</a:t>
             </a:r>
           </a:p>
           <a:p>
@@ -14298,10 +14263,10 @@
           <p:nvPr/>
         </p:nvPicPr>
         <p:blipFill>
-          <a:blip r:embed="rId21">
+          <a:blip r:embed="rId19">
             <a:extLst>
               <a:ext uri="{96DAC541-7B7A-43D3-8B79-37D633B846F1}">
-                <asvg:svgBlip xmlns:asvg="http://schemas.microsoft.com/office/drawing/2016/SVG/main" r:embed="rId22"/>
+                <asvg:svgBlip xmlns:asvg="http://schemas.microsoft.com/office/drawing/2016/SVG/main" r:embed="rId20"/>
               </a:ext>
             </a:extLst>
           </a:blip>
@@ -14333,7 +14298,7 @@
           <p:nvPr/>
         </p:nvPicPr>
         <p:blipFill>
-          <a:blip r:embed="rId23"/>
+          <a:blip r:embed="rId21"/>
           <a:stretch>
             <a:fillRect/>
           </a:stretch>
@@ -14374,7 +14339,7 @@
           <p:nvPr/>
         </p:nvPicPr>
         <p:blipFill rotWithShape="1">
-          <a:blip r:embed="rId24"/>
+          <a:blip r:embed="rId22"/>
           <a:srcRect t="2370" b="3301"/>
           <a:stretch/>
         </p:blipFill>
@@ -14410,7 +14375,7 @@
           <p:nvPr/>
         </p:nvPicPr>
         <p:blipFill rotWithShape="1">
-          <a:blip r:embed="rId25"/>
+          <a:blip r:embed="rId23"/>
           <a:srcRect l="1" t="465" r="4814" b="2312"/>
           <a:stretch/>
         </p:blipFill>
@@ -14450,7 +14415,7 @@
           <p:nvPr/>
         </p:nvPicPr>
         <p:blipFill rotWithShape="1">
-          <a:blip r:embed="rId26"/>
+          <a:blip r:embed="rId24"/>
           <a:srcRect l="1305" r="7310"/>
           <a:stretch/>
         </p:blipFill>
@@ -14490,7 +14455,7 @@
           <p:nvPr/>
         </p:nvPicPr>
         <p:blipFill rotWithShape="1">
-          <a:blip r:embed="rId27"/>
+          <a:blip r:embed="rId25"/>
           <a:srcRect l="2220" t="9830" r="4465" b="5905"/>
           <a:stretch/>
         </p:blipFill>
@@ -14513,6 +14478,36 @@
             <a:noFill/>
           </a:ln>
           <a:effectLst/>
+        </p:spPr>
+      </p:pic>
+      <p:pic>
+        <p:nvPicPr>
+          <p:cNvPr id="5" name="Immagine 4">
+            <a:extLst>
+              <a:ext uri="{FF2B5EF4-FFF2-40B4-BE49-F238E27FC236}">
+                <a16:creationId xmlns:a16="http://schemas.microsoft.com/office/drawing/2014/main" id="{57C96227-C861-4BF3-A7BC-056EECB0125F}"/>
+              </a:ext>
+            </a:extLst>
+          </p:cNvPr>
+          <p:cNvPicPr>
+            <a:picLocks noChangeAspect="1"/>
+          </p:cNvPicPr>
+          <p:nvPr/>
+        </p:nvPicPr>
+        <p:blipFill>
+          <a:blip r:embed="rId26"/>
+          <a:stretch>
+            <a:fillRect/>
+          </a:stretch>
+        </p:blipFill>
+        <p:spPr>
+          <a:xfrm>
+            <a:off x="261879" y="5302528"/>
+            <a:ext cx="723900" cy="723900"/>
+          </a:xfrm>
+          <a:prstGeom prst="rect">
+            <a:avLst/>
+          </a:prstGeom>
         </p:spPr>
       </p:pic>
     </p:spTree>
@@ -16171,10 +16166,10 @@
       </p:pic>
       <p:pic>
         <p:nvPicPr>
-          <p:cNvPr id="48" name="Elemento grafico 47" descr="Idrante antincendio rotto con riempimento a tinta unita">
+          <p:cNvPr id="54" name="Immagine 53">
             <a:extLst>
               <a:ext uri="{FF2B5EF4-FFF2-40B4-BE49-F238E27FC236}">
-                <a16:creationId xmlns:a16="http://schemas.microsoft.com/office/drawing/2014/main" id="{77986A8B-8143-43DE-906E-1AA66FC5B1A3}"/>
+                <a16:creationId xmlns:a16="http://schemas.microsoft.com/office/drawing/2014/main" id="{90B1AA0C-1841-45CB-B7D5-A255E827DE7D}"/>
               </a:ext>
             </a:extLst>
           </p:cNvPr>
@@ -16184,42 +16179,7 @@
           <p:nvPr/>
         </p:nvPicPr>
         <p:blipFill>
-          <a:blip r:embed="rId25">
-            <a:extLst>
-              <a:ext uri="{96DAC541-7B7A-43D3-8B79-37D633B846F1}">
-                <asvg:svgBlip xmlns:asvg="http://schemas.microsoft.com/office/drawing/2016/SVG/main" r:embed="rId26"/>
-              </a:ext>
-            </a:extLst>
-          </a:blip>
-          <a:srcRect/>
-          <a:stretch/>
-        </p:blipFill>
-        <p:spPr>
-          <a:xfrm>
-            <a:off x="336049" y="5356528"/>
-            <a:ext cx="720000" cy="720000"/>
-          </a:xfrm>
-          <a:prstGeom prst="rect">
-            <a:avLst/>
-          </a:prstGeom>
-        </p:spPr>
-      </p:pic>
-      <p:pic>
-        <p:nvPicPr>
-          <p:cNvPr id="54" name="Immagine 53">
-            <a:extLst>
-              <a:ext uri="{FF2B5EF4-FFF2-40B4-BE49-F238E27FC236}">
-                <a16:creationId xmlns:a16="http://schemas.microsoft.com/office/drawing/2014/main" id="{90B1AA0C-1841-45CB-B7D5-A255E827DE7D}"/>
-              </a:ext>
-            </a:extLst>
-          </p:cNvPr>
-          <p:cNvPicPr>
-            <a:picLocks noChangeAspect="1"/>
-          </p:cNvPicPr>
-          <p:nvPr/>
-        </p:nvPicPr>
-        <p:blipFill>
-          <a:blip r:embed="rId27"/>
+          <a:blip r:embed="rId25"/>
           <a:stretch>
             <a:fillRect/>
           </a:stretch>
@@ -16260,7 +16220,7 @@
           <p:nvPr/>
         </p:nvPicPr>
         <p:blipFill rotWithShape="1">
-          <a:blip r:embed="rId28"/>
+          <a:blip r:embed="rId26"/>
           <a:srcRect t="-17" b="871"/>
           <a:stretch/>
         </p:blipFill>
@@ -16283,6 +16243,36 @@
             <a:noFill/>
           </a:ln>
           <a:effectLst/>
+        </p:spPr>
+      </p:pic>
+      <p:pic>
+        <p:nvPicPr>
+          <p:cNvPr id="6" name="Immagine 5">
+            <a:extLst>
+              <a:ext uri="{FF2B5EF4-FFF2-40B4-BE49-F238E27FC236}">
+                <a16:creationId xmlns:a16="http://schemas.microsoft.com/office/drawing/2014/main" id="{1DE9FDD6-E3AE-4EF6-920E-4A14042604D9}"/>
+              </a:ext>
+            </a:extLst>
+          </p:cNvPr>
+          <p:cNvPicPr>
+            <a:picLocks noChangeAspect="1"/>
+          </p:cNvPicPr>
+          <p:nvPr/>
+        </p:nvPicPr>
+        <p:blipFill>
+          <a:blip r:embed="rId27"/>
+          <a:stretch>
+            <a:fillRect/>
+          </a:stretch>
+        </p:blipFill>
+        <p:spPr>
+          <a:xfrm>
+            <a:off x="307062" y="5345282"/>
+            <a:ext cx="723900" cy="723900"/>
+          </a:xfrm>
+          <a:prstGeom prst="rect">
+            <a:avLst/>
+          </a:prstGeom>
         </p:spPr>
       </p:pic>
     </p:spTree>
@@ -17279,41 +17269,6 @@
       </p:pic>
       <p:pic>
         <p:nvPicPr>
-          <p:cNvPr id="40" name="Elemento grafico 39" descr="Idrante antincendio rotto con riempimento a tinta unita">
-            <a:extLst>
-              <a:ext uri="{FF2B5EF4-FFF2-40B4-BE49-F238E27FC236}">
-                <a16:creationId xmlns:a16="http://schemas.microsoft.com/office/drawing/2014/main" id="{57E5ABCA-0D4C-48B8-B903-686A9A9DB714}"/>
-              </a:ext>
-            </a:extLst>
-          </p:cNvPr>
-          <p:cNvPicPr>
-            <a:picLocks noChangeAspect="1"/>
-          </p:cNvPicPr>
-          <p:nvPr/>
-        </p:nvPicPr>
-        <p:blipFill>
-          <a:blip r:embed="rId20">
-            <a:extLst>
-              <a:ext uri="{96DAC541-7B7A-43D3-8B79-37D633B846F1}">
-                <asvg:svgBlip xmlns:asvg="http://schemas.microsoft.com/office/drawing/2016/SVG/main" r:embed="rId21"/>
-              </a:ext>
-            </a:extLst>
-          </a:blip>
-          <a:srcRect/>
-          <a:stretch/>
-        </p:blipFill>
-        <p:spPr>
-          <a:xfrm>
-            <a:off x="336049" y="5356528"/>
-            <a:ext cx="720000" cy="720000"/>
-          </a:xfrm>
-          <a:prstGeom prst="rect">
-            <a:avLst/>
-          </a:prstGeom>
-        </p:spPr>
-      </p:pic>
-      <p:pic>
-        <p:nvPicPr>
           <p:cNvPr id="33" name="Immagine 32">
             <a:extLst>
               <a:ext uri="{FF2B5EF4-FFF2-40B4-BE49-F238E27FC236}">
@@ -17327,14 +17282,14 @@
           <p:nvPr/>
         </p:nvPicPr>
         <p:blipFill rotWithShape="1">
-          <a:blip r:embed="rId22"/>
-          <a:srcRect l="-64" r="-92"/>
+          <a:blip r:embed="rId20"/>
+          <a:srcRect l="271" r="1100"/>
           <a:stretch/>
         </p:blipFill>
         <p:spPr>
           <a:xfrm>
-            <a:off x="5634605" y="1866680"/>
-            <a:ext cx="5951562" cy="4391007"/>
+            <a:off x="5330414" y="1337907"/>
+            <a:ext cx="6153265" cy="3285300"/>
           </a:xfrm>
           <a:prstGeom prst="roundRect">
             <a:avLst>
@@ -17367,13 +17322,13 @@
           <p:nvPr/>
         </p:nvPicPr>
         <p:blipFill rotWithShape="1">
-          <a:blip r:embed="rId23"/>
+          <a:blip r:embed="rId21"/>
           <a:srcRect l="1177" r="10492"/>
           <a:stretch/>
         </p:blipFill>
         <p:spPr>
           <a:xfrm>
-            <a:off x="2447387" y="3362400"/>
+            <a:off x="2312917" y="1308784"/>
             <a:ext cx="2734810" cy="2895287"/>
           </a:xfrm>
           <a:prstGeom prst="roundRect">
@@ -17390,6 +17345,151 @@
             <a:noFill/>
           </a:ln>
           <a:effectLst/>
+        </p:spPr>
+      </p:pic>
+      <p:sp>
+        <p:nvSpPr>
+          <p:cNvPr id="2" name="CasellaDiTesto 1">
+            <a:extLst>
+              <a:ext uri="{FF2B5EF4-FFF2-40B4-BE49-F238E27FC236}">
+                <a16:creationId xmlns:a16="http://schemas.microsoft.com/office/drawing/2014/main" id="{1A3BC482-AF79-4A99-9583-8F860FFDB4CC}"/>
+              </a:ext>
+            </a:extLst>
+          </p:cNvPr>
+          <p:cNvSpPr txBox="1"/>
+          <p:nvPr/>
+        </p:nvSpPr>
+        <p:spPr>
+          <a:xfrm>
+            <a:off x="3829722" y="476680"/>
+            <a:ext cx="5518673" cy="615553"/>
+          </a:xfrm>
+          <a:prstGeom prst="rect">
+            <a:avLst/>
+          </a:prstGeom>
+          <a:noFill/>
+        </p:spPr>
+        <p:txBody>
+          <a:bodyPr wrap="square" rtlCol="0">
+            <a:spAutoFit/>
+          </a:bodyPr>
+          <a:lstStyle/>
+          <a:p>
+            <a:pPr algn="ctr"/>
+            <a:r>
+              <a:rPr lang="it-IT" sz="3400" dirty="0"/>
+              <a:t>INIZIALIZZAZIONE</a:t>
+            </a:r>
+          </a:p>
+        </p:txBody>
+      </p:sp>
+      <p:sp>
+        <p:nvSpPr>
+          <p:cNvPr id="3" name="CasellaDiTesto 2">
+            <a:extLst>
+              <a:ext uri="{FF2B5EF4-FFF2-40B4-BE49-F238E27FC236}">
+                <a16:creationId xmlns:a16="http://schemas.microsoft.com/office/drawing/2014/main" id="{DE0D7EDA-5B2E-4FB3-B968-B6A72B10B10F}"/>
+              </a:ext>
+            </a:extLst>
+          </p:cNvPr>
+          <p:cNvSpPr txBox="1"/>
+          <p:nvPr/>
+        </p:nvSpPr>
+        <p:spPr>
+          <a:xfrm>
+            <a:off x="1788595" y="4793198"/>
+            <a:ext cx="2507898" cy="923330"/>
+          </a:xfrm>
+          <a:prstGeom prst="rect">
+            <a:avLst/>
+          </a:prstGeom>
+          <a:noFill/>
+        </p:spPr>
+        <p:txBody>
+          <a:bodyPr wrap="square" rtlCol="0">
+            <a:spAutoFit/>
+          </a:bodyPr>
+          <a:lstStyle/>
+          <a:p>
+            <a:r>
+              <a:rPr lang="it-IT" dirty="0"/>
+              <a:t>Struttura dichiarata in locale perché utilizzata solo server-side</a:t>
+            </a:r>
+          </a:p>
+        </p:txBody>
+      </p:sp>
+      <p:cxnSp>
+        <p:nvCxnSpPr>
+          <p:cNvPr id="25" name="Connettore 2 24">
+            <a:extLst>
+              <a:ext uri="{FF2B5EF4-FFF2-40B4-BE49-F238E27FC236}">
+                <a16:creationId xmlns:a16="http://schemas.microsoft.com/office/drawing/2014/main" id="{C4CEAF4D-7090-4915-A0CA-DF7CBB72E7A0}"/>
+              </a:ext>
+            </a:extLst>
+          </p:cNvPr>
+          <p:cNvCxnSpPr>
+            <a:cxnSpLocks/>
+          </p:cNvCxnSpPr>
+          <p:nvPr/>
+        </p:nvCxnSpPr>
+        <p:spPr>
+          <a:xfrm flipV="1">
+            <a:off x="2727064" y="4268117"/>
+            <a:ext cx="129091" cy="588961"/>
+          </a:xfrm>
+          <a:prstGeom prst="straightConnector1">
+            <a:avLst/>
+          </a:prstGeom>
+          <a:ln w="28575">
+            <a:solidFill>
+              <a:schemeClr val="tx1"/>
+            </a:solidFill>
+            <a:tailEnd type="triangle"/>
+          </a:ln>
+        </p:spPr>
+        <p:style>
+          <a:lnRef idx="1">
+            <a:schemeClr val="accent1"/>
+          </a:lnRef>
+          <a:fillRef idx="0">
+            <a:schemeClr val="accent1"/>
+          </a:fillRef>
+          <a:effectRef idx="0">
+            <a:schemeClr val="accent1"/>
+          </a:effectRef>
+          <a:fontRef idx="minor">
+            <a:schemeClr val="tx1"/>
+          </a:fontRef>
+        </p:style>
+      </p:cxnSp>
+      <p:pic>
+        <p:nvPicPr>
+          <p:cNvPr id="12" name="Immagine 11">
+            <a:extLst>
+              <a:ext uri="{FF2B5EF4-FFF2-40B4-BE49-F238E27FC236}">
+                <a16:creationId xmlns:a16="http://schemas.microsoft.com/office/drawing/2014/main" id="{103810BF-096D-46B9-B40B-A28E86279F39}"/>
+              </a:ext>
+            </a:extLst>
+          </p:cNvPr>
+          <p:cNvPicPr>
+            <a:picLocks noChangeAspect="1"/>
+          </p:cNvPicPr>
+          <p:nvPr/>
+        </p:nvPicPr>
+        <p:blipFill>
+          <a:blip r:embed="rId22"/>
+          <a:stretch>
+            <a:fillRect/>
+          </a:stretch>
+        </p:blipFill>
+        <p:spPr>
+          <a:xfrm>
+            <a:off x="267411" y="5302528"/>
+            <a:ext cx="723900" cy="723900"/>
+          </a:xfrm>
+          <a:prstGeom prst="rect">
+            <a:avLst/>
+          </a:prstGeom>
         </p:spPr>
       </p:pic>
     </p:spTree>
@@ -17444,10 +17544,10 @@
       </p:grpSpPr>
       <p:pic>
         <p:nvPicPr>
-          <p:cNvPr id="46" name="Immagine 45">
+          <p:cNvPr id="35" name="Immagine 34">
             <a:extLst>
               <a:ext uri="{FF2B5EF4-FFF2-40B4-BE49-F238E27FC236}">
-                <a16:creationId xmlns:a16="http://schemas.microsoft.com/office/drawing/2014/main" id="{D9F03F04-D0CC-4CA4-82AF-975792F9BD15}"/>
+                <a16:creationId xmlns:a16="http://schemas.microsoft.com/office/drawing/2014/main" id="{AB39CB46-B4D6-4CA0-8CB6-F37E20A76180}"/>
               </a:ext>
             </a:extLst>
           </p:cNvPr>
@@ -17458,6 +17558,46 @@
         </p:nvPicPr>
         <p:blipFill rotWithShape="1">
           <a:blip r:embed="rId2"/>
+          <a:srcRect l="-231" t="-297" r="2118"/>
+          <a:stretch/>
+        </p:blipFill>
+        <p:spPr>
+          <a:xfrm>
+            <a:off x="1668662" y="1627150"/>
+            <a:ext cx="4964574" cy="4950680"/>
+          </a:xfrm>
+          <a:prstGeom prst="roundRect">
+            <a:avLst>
+              <a:gd name="adj" fmla="val 5263"/>
+            </a:avLst>
+          </a:prstGeom>
+          <a:solidFill>
+            <a:srgbClr val="FFFFFF">
+              <a:shade val="85000"/>
+            </a:srgbClr>
+          </a:solidFill>
+          <a:ln>
+            <a:noFill/>
+          </a:ln>
+          <a:effectLst/>
+        </p:spPr>
+      </p:pic>
+      <p:pic>
+        <p:nvPicPr>
+          <p:cNvPr id="46" name="Immagine 45">
+            <a:extLst>
+              <a:ext uri="{FF2B5EF4-FFF2-40B4-BE49-F238E27FC236}">
+                <a16:creationId xmlns:a16="http://schemas.microsoft.com/office/drawing/2014/main" id="{D9F03F04-D0CC-4CA4-82AF-975792F9BD15}"/>
+              </a:ext>
+            </a:extLst>
+          </p:cNvPr>
+          <p:cNvPicPr>
+            <a:picLocks noChangeAspect="1"/>
+          </p:cNvPicPr>
+          <p:nvPr/>
+        </p:nvPicPr>
+        <p:blipFill rotWithShape="1">
+          <a:blip r:embed="rId3"/>
           <a:srcRect t="2458" b="1916"/>
           <a:stretch/>
         </p:blipFill>
@@ -17497,7 +17637,7 @@
           <p:nvPr/>
         </p:nvPicPr>
         <p:blipFill rotWithShape="1">
-          <a:blip r:embed="rId3"/>
+          <a:blip r:embed="rId4"/>
           <a:srcRect t="167" r="-817" b="-1795"/>
           <a:stretch/>
         </p:blipFill>
@@ -17537,7 +17677,7 @@
           <p:nvPr/>
         </p:nvPicPr>
         <p:blipFill rotWithShape="1">
-          <a:blip r:embed="rId4"/>
+          <a:blip r:embed="rId5"/>
           <a:srcRect t="318" b="318"/>
           <a:stretch/>
         </p:blipFill>
@@ -17785,10 +17925,10 @@
           <p:nvPr/>
         </p:nvPicPr>
         <p:blipFill>
-          <a:blip r:embed="rId5">
+          <a:blip r:embed="rId6">
             <a:extLst>
               <a:ext uri="{96DAC541-7B7A-43D3-8B79-37D633B846F1}">
-                <asvg:svgBlip xmlns:asvg="http://schemas.microsoft.com/office/drawing/2016/SVG/main" r:embed="rId6"/>
+                <asvg:svgBlip xmlns:asvg="http://schemas.microsoft.com/office/drawing/2016/SVG/main" r:embed="rId7"/>
               </a:ext>
             </a:extLst>
           </a:blip>
@@ -17821,10 +17961,10 @@
           <p:nvPr/>
         </p:nvPicPr>
         <p:blipFill>
-          <a:blip r:embed="rId7">
+          <a:blip r:embed="rId8">
             <a:extLst>
               <a:ext uri="{96DAC541-7B7A-43D3-8B79-37D633B846F1}">
-                <asvg:svgBlip xmlns:asvg="http://schemas.microsoft.com/office/drawing/2016/SVG/main" r:embed="rId8"/>
+                <asvg:svgBlip xmlns:asvg="http://schemas.microsoft.com/office/drawing/2016/SVG/main" r:embed="rId9"/>
               </a:ext>
             </a:extLst>
           </a:blip>
@@ -17857,10 +17997,10 @@
           <p:nvPr/>
         </p:nvPicPr>
         <p:blipFill>
-          <a:blip r:embed="rId9">
+          <a:blip r:embed="rId10">
             <a:extLst>
               <a:ext uri="{96DAC541-7B7A-43D3-8B79-37D633B846F1}">
-                <asvg:svgBlip xmlns:asvg="http://schemas.microsoft.com/office/drawing/2016/SVG/main" r:embed="rId10"/>
+                <asvg:svgBlip xmlns:asvg="http://schemas.microsoft.com/office/drawing/2016/SVG/main" r:embed="rId11"/>
               </a:ext>
             </a:extLst>
           </a:blip>
@@ -18239,10 +18379,10 @@
           <p:nvPr/>
         </p:nvPicPr>
         <p:blipFill>
-          <a:blip r:embed="rId11">
+          <a:blip r:embed="rId12">
             <a:extLst>
               <a:ext uri="{96DAC541-7B7A-43D3-8B79-37D633B846F1}">
-                <asvg:svgBlip xmlns:asvg="http://schemas.microsoft.com/office/drawing/2016/SVG/main" r:embed="rId12"/>
+                <asvg:svgBlip xmlns:asvg="http://schemas.microsoft.com/office/drawing/2016/SVG/main" r:embed="rId13"/>
               </a:ext>
             </a:extLst>
           </a:blip>
@@ -18343,10 +18483,10 @@
           <p:nvPr/>
         </p:nvPicPr>
         <p:blipFill>
-          <a:blip r:embed="rId13">
+          <a:blip r:embed="rId14">
             <a:extLst>
               <a:ext uri="{96DAC541-7B7A-43D3-8B79-37D633B846F1}">
-                <asvg:svgBlip xmlns:asvg="http://schemas.microsoft.com/office/drawing/2016/SVG/main" r:embed="rId14"/>
+                <asvg:svgBlip xmlns:asvg="http://schemas.microsoft.com/office/drawing/2016/SVG/main" r:embed="rId15"/>
               </a:ext>
             </a:extLst>
           </a:blip>
@@ -18363,82 +18503,6 @@
           </a:prstGeom>
         </p:spPr>
       </p:pic>
-      <p:sp>
-        <p:nvSpPr>
-          <p:cNvPr id="34" name="CasellaDiTesto 33">
-            <a:extLst>
-              <a:ext uri="{FF2B5EF4-FFF2-40B4-BE49-F238E27FC236}">
-                <a16:creationId xmlns:a16="http://schemas.microsoft.com/office/drawing/2014/main" id="{9044BE1C-6833-49D6-906D-5E888C1596E0}"/>
-              </a:ext>
-            </a:extLst>
-          </p:cNvPr>
-          <p:cNvSpPr txBox="1"/>
-          <p:nvPr/>
-        </p:nvSpPr>
-        <p:spPr>
-          <a:xfrm>
-            <a:off x="7496188" y="1361558"/>
-            <a:ext cx="3140015" cy="400110"/>
-          </a:xfrm>
-          <a:prstGeom prst="rect">
-            <a:avLst/>
-          </a:prstGeom>
-          <a:noFill/>
-        </p:spPr>
-        <p:txBody>
-          <a:bodyPr wrap="square" rtlCol="0">
-            <a:spAutoFit/>
-          </a:bodyPr>
-          <a:lstStyle/>
-          <a:p>
-            <a:r>
-              <a:rPr lang="it-IT" sz="2000" u="sng" dirty="0"/>
-              <a:t>• CLASSIFICA_GIUDICI</a:t>
-            </a:r>
-            <a:endParaRPr lang="it-IT" dirty="0"/>
-          </a:p>
-        </p:txBody>
-      </p:sp>
-      <p:pic>
-        <p:nvPicPr>
-          <p:cNvPr id="35" name="Immagine 34">
-            <a:extLst>
-              <a:ext uri="{FF2B5EF4-FFF2-40B4-BE49-F238E27FC236}">
-                <a16:creationId xmlns:a16="http://schemas.microsoft.com/office/drawing/2014/main" id="{AB39CB46-B4D6-4CA0-8CB6-F37E20A76180}"/>
-              </a:ext>
-            </a:extLst>
-          </p:cNvPr>
-          <p:cNvPicPr>
-            <a:picLocks noChangeAspect="1"/>
-          </p:cNvPicPr>
-          <p:nvPr/>
-        </p:nvPicPr>
-        <p:blipFill rotWithShape="1">
-          <a:blip r:embed="rId15"/>
-          <a:srcRect l="44" t="-1506" r="1295"/>
-          <a:stretch/>
-        </p:blipFill>
-        <p:spPr>
-          <a:xfrm>
-            <a:off x="1918930" y="1233496"/>
-            <a:ext cx="4310678" cy="4391007"/>
-          </a:xfrm>
-          <a:prstGeom prst="roundRect">
-            <a:avLst>
-              <a:gd name="adj" fmla="val 5263"/>
-            </a:avLst>
-          </a:prstGeom>
-          <a:solidFill>
-            <a:srgbClr val="FFFFFF">
-              <a:shade val="85000"/>
-            </a:srgbClr>
-          </a:solidFill>
-          <a:ln>
-            <a:noFill/>
-          </a:ln>
-          <a:effectLst/>
-        </p:spPr>
-      </p:pic>
       <p:pic>
         <p:nvPicPr>
           <p:cNvPr id="36" name="Immagine 35">
@@ -18455,13 +18519,13 @@
         </p:nvPicPr>
         <p:blipFill rotWithShape="1">
           <a:blip r:embed="rId16"/>
-          <a:srcRect l="273" r="273"/>
+          <a:srcRect t="-51" b="-77"/>
           <a:stretch/>
         </p:blipFill>
         <p:spPr>
           <a:xfrm>
-            <a:off x="6418729" y="2756428"/>
-            <a:ext cx="4736293" cy="3987028"/>
+            <a:off x="6695607" y="1750641"/>
+            <a:ext cx="5213757" cy="4817565"/>
           </a:xfrm>
           <a:prstGeom prst="roundRect">
             <a:avLst>
@@ -18551,10 +18615,10 @@
       </p:pic>
       <p:pic>
         <p:nvPicPr>
-          <p:cNvPr id="38" name="Segnaposto contenuto 7" descr="Blockchain contorno">
+          <p:cNvPr id="39" name="Segnaposto contenuto 9" descr="Utente con riempimento a tinta unita">
             <a:extLst>
               <a:ext uri="{FF2B5EF4-FFF2-40B4-BE49-F238E27FC236}">
-                <a16:creationId xmlns:a16="http://schemas.microsoft.com/office/drawing/2014/main" id="{F6EE8100-9EAC-4588-A0C6-9BD35F3389FB}"/>
+                <a16:creationId xmlns:a16="http://schemas.microsoft.com/office/drawing/2014/main" id="{791C0862-4B4B-480B-B0C8-3D8CD03FEC90}"/>
               </a:ext>
             </a:extLst>
           </p:cNvPr>
@@ -18568,6 +18632,185 @@
             <a:extLst>
               <a:ext uri="{96DAC541-7B7A-43D3-8B79-37D633B846F1}">
                 <asvg:svgBlip xmlns:asvg="http://schemas.microsoft.com/office/drawing/2016/SVG/main" r:embed="rId22"/>
+              </a:ext>
+            </a:extLst>
+          </a:blip>
+          <a:srcRect/>
+          <a:stretch/>
+        </p:blipFill>
+        <p:spPr>
+          <a:xfrm>
+            <a:off x="248547" y="4045823"/>
+            <a:ext cx="718368" cy="718368"/>
+          </a:xfrm>
+          <a:prstGeom prst="rect">
+            <a:avLst/>
+          </a:prstGeom>
+        </p:spPr>
+      </p:pic>
+      <p:sp>
+        <p:nvSpPr>
+          <p:cNvPr id="30" name="CasellaDiTesto 29">
+            <a:extLst>
+              <a:ext uri="{FF2B5EF4-FFF2-40B4-BE49-F238E27FC236}">
+                <a16:creationId xmlns:a16="http://schemas.microsoft.com/office/drawing/2014/main" id="{416E9C6B-F285-409D-B634-746887C611DA}"/>
+              </a:ext>
+            </a:extLst>
+          </p:cNvPr>
+          <p:cNvSpPr txBox="1"/>
+          <p:nvPr/>
+        </p:nvSpPr>
+        <p:spPr>
+          <a:xfrm>
+            <a:off x="1696704" y="115012"/>
+            <a:ext cx="4908491" cy="1323439"/>
+          </a:xfrm>
+          <a:prstGeom prst="rect">
+            <a:avLst/>
+          </a:prstGeom>
+          <a:noFill/>
+        </p:spPr>
+        <p:txBody>
+          <a:bodyPr wrap="square" rtlCol="0">
+            <a:spAutoFit/>
+          </a:bodyPr>
+          <a:lstStyle/>
+          <a:p>
+            <a:r>
+              <a:rPr lang="it-IT" sz="2000" u="sng" dirty="0"/>
+              <a:t>ESPRIMI_VOTO</a:t>
+            </a:r>
+          </a:p>
+          <a:p>
+            <a:pPr marL="342900" indent="-342900">
+              <a:buFont typeface="Arial" panose="020B0604020202020204" pitchFamily="34" charset="0"/>
+              <a:buChar char="•"/>
+            </a:pPr>
+            <a:r>
+              <a:rPr lang="it-IT" sz="2000" dirty="0"/>
+              <a:t>Logica </a:t>
+            </a:r>
+            <a:r>
+              <a:rPr lang="it-IT" sz="2000" dirty="0" err="1"/>
+              <a:t>gestitia</a:t>
+            </a:r>
+            <a:r>
+              <a:rPr lang="it-IT" sz="2000" dirty="0"/>
+              <a:t> tramite controllo di stringhe</a:t>
+            </a:r>
+          </a:p>
+          <a:p>
+            <a:pPr marL="342900" indent="-342900">
+              <a:buFont typeface="Arial" panose="020B0604020202020204" pitchFamily="34" charset="0"/>
+              <a:buChar char="•"/>
+            </a:pPr>
+            <a:r>
+              <a:rPr lang="it-IT" sz="2000" dirty="0"/>
+              <a:t>Operazioni permesse: </a:t>
+            </a:r>
+            <a:r>
+              <a:rPr lang="it-IT" sz="2000" b="1" dirty="0" err="1"/>
+              <a:t>add</a:t>
+            </a:r>
+            <a:r>
+              <a:rPr lang="it-IT" sz="2000" dirty="0"/>
+              <a:t> e </a:t>
+            </a:r>
+            <a:r>
+              <a:rPr lang="it-IT" sz="2000" b="1" dirty="0"/>
+              <a:t>sub</a:t>
+            </a:r>
+          </a:p>
+          <a:p>
+            <a:pPr marL="342900" indent="-342900">
+              <a:buFont typeface="Arial" panose="020B0604020202020204" pitchFamily="34" charset="0"/>
+              <a:buChar char="•"/>
+            </a:pPr>
+            <a:r>
+              <a:rPr lang="it-IT" sz="2000" b="1" dirty="0"/>
+              <a:t>Sub </a:t>
+            </a:r>
+            <a:r>
+              <a:rPr lang="it-IT" sz="2000" dirty="0"/>
+              <a:t>non scende mai sotto 0</a:t>
+            </a:r>
+          </a:p>
+        </p:txBody>
+      </p:sp>
+      <p:sp>
+        <p:nvSpPr>
+          <p:cNvPr id="33" name="CasellaDiTesto 32">
+            <a:extLst>
+              <a:ext uri="{FF2B5EF4-FFF2-40B4-BE49-F238E27FC236}">
+                <a16:creationId xmlns:a16="http://schemas.microsoft.com/office/drawing/2014/main" id="{07A13DA4-EE1C-4185-9A31-E2F3C7E239B5}"/>
+              </a:ext>
+            </a:extLst>
+          </p:cNvPr>
+          <p:cNvSpPr txBox="1"/>
+          <p:nvPr/>
+        </p:nvSpPr>
+        <p:spPr>
+          <a:xfrm>
+            <a:off x="6808563" y="119425"/>
+            <a:ext cx="4908491" cy="1631216"/>
+          </a:xfrm>
+          <a:prstGeom prst="rect">
+            <a:avLst/>
+          </a:prstGeom>
+          <a:noFill/>
+        </p:spPr>
+        <p:txBody>
+          <a:bodyPr wrap="square" rtlCol="0">
+            <a:spAutoFit/>
+          </a:bodyPr>
+          <a:lstStyle/>
+          <a:p>
+            <a:r>
+              <a:rPr lang="it-IT" sz="2000" u="sng" dirty="0"/>
+              <a:t>CLASSIFICA_GIUDICI</a:t>
+            </a:r>
+          </a:p>
+          <a:p>
+            <a:pPr marL="342900" indent="-342900">
+              <a:buFont typeface="Arial" panose="020B0604020202020204" pitchFamily="34" charset="0"/>
+              <a:buChar char="•"/>
+            </a:pPr>
+            <a:r>
+              <a:rPr lang="it-IT" sz="2000" dirty="0"/>
+              <a:t>La struttura res è locale perché non necessita di visibilità globale</a:t>
+            </a:r>
+          </a:p>
+          <a:p>
+            <a:pPr marL="342900" indent="-342900">
+              <a:buFont typeface="Arial" panose="020B0604020202020204" pitchFamily="34" charset="0"/>
+              <a:buChar char="•"/>
+            </a:pPr>
+            <a:r>
+              <a:rPr lang="it-IT" sz="2000" dirty="0"/>
+              <a:t>Res viene re-inizializzata ad ogni chiamata per evitare l’accumulo di voti</a:t>
+            </a:r>
+          </a:p>
+        </p:txBody>
+      </p:sp>
+      <p:pic>
+        <p:nvPicPr>
+          <p:cNvPr id="38" name="Segnaposto contenuto 7" descr="Blockchain contorno">
+            <a:extLst>
+              <a:ext uri="{FF2B5EF4-FFF2-40B4-BE49-F238E27FC236}">
+                <a16:creationId xmlns:a16="http://schemas.microsoft.com/office/drawing/2014/main" id="{F6EE8100-9EAC-4588-A0C6-9BD35F3389FB}"/>
+              </a:ext>
+            </a:extLst>
+          </p:cNvPr>
+          <p:cNvPicPr>
+            <a:picLocks noChangeAspect="1"/>
+          </p:cNvPicPr>
+          <p:nvPr/>
+        </p:nvPicPr>
+        <p:blipFill>
+          <a:blip r:embed="rId23">
+            <a:extLst>
+              <a:ext uri="{96DAC541-7B7A-43D3-8B79-37D633B846F1}">
+                <asvg:svgBlip xmlns:asvg="http://schemas.microsoft.com/office/drawing/2016/SVG/main" r:embed="rId24"/>
               </a:ext>
             </a:extLst>
           </a:blip>
@@ -18587,10 +18830,10 @@
       </p:pic>
       <p:pic>
         <p:nvPicPr>
-          <p:cNvPr id="39" name="Segnaposto contenuto 9" descr="Utente con riempimento a tinta unita">
+          <p:cNvPr id="3" name="Immagine 2">
             <a:extLst>
               <a:ext uri="{FF2B5EF4-FFF2-40B4-BE49-F238E27FC236}">
-                <a16:creationId xmlns:a16="http://schemas.microsoft.com/office/drawing/2014/main" id="{791C0862-4B4B-480B-B0C8-3D8CD03FEC90}"/>
+                <a16:creationId xmlns:a16="http://schemas.microsoft.com/office/drawing/2014/main" id="{3DFEA587-2DE8-4A93-9DA7-6C1D4077B0BA}"/>
               </a:ext>
             </a:extLst>
           </p:cNvPr>
@@ -18600,100 +18843,21 @@
           <p:nvPr/>
         </p:nvPicPr>
         <p:blipFill>
-          <a:blip r:embed="rId23">
-            <a:extLst>
-              <a:ext uri="{96DAC541-7B7A-43D3-8B79-37D633B846F1}">
-                <asvg:svgBlip xmlns:asvg="http://schemas.microsoft.com/office/drawing/2016/SVG/main" r:embed="rId24"/>
-              </a:ext>
-            </a:extLst>
-          </a:blip>
-          <a:srcRect/>
-          <a:stretch/>
+          <a:blip r:embed="rId25"/>
+          <a:stretch>
+            <a:fillRect/>
+          </a:stretch>
         </p:blipFill>
         <p:spPr>
           <a:xfrm>
-            <a:off x="267411" y="4091676"/>
-            <a:ext cx="718368" cy="718368"/>
+            <a:off x="244760" y="5140255"/>
+            <a:ext cx="723900" cy="723900"/>
           </a:xfrm>
           <a:prstGeom prst="rect">
             <a:avLst/>
           </a:prstGeom>
         </p:spPr>
       </p:pic>
-      <p:pic>
-        <p:nvPicPr>
-          <p:cNvPr id="40" name="Elemento grafico 39" descr="Idrante antincendio rotto con riempimento a tinta unita">
-            <a:extLst>
-              <a:ext uri="{FF2B5EF4-FFF2-40B4-BE49-F238E27FC236}">
-                <a16:creationId xmlns:a16="http://schemas.microsoft.com/office/drawing/2014/main" id="{57E5ABCA-0D4C-48B8-B903-686A9A9DB714}"/>
-              </a:ext>
-            </a:extLst>
-          </p:cNvPr>
-          <p:cNvPicPr>
-            <a:picLocks noChangeAspect="1"/>
-          </p:cNvPicPr>
-          <p:nvPr/>
-        </p:nvPicPr>
-        <p:blipFill>
-          <a:blip r:embed="rId25">
-            <a:extLst>
-              <a:ext uri="{96DAC541-7B7A-43D3-8B79-37D633B846F1}">
-                <asvg:svgBlip xmlns:asvg="http://schemas.microsoft.com/office/drawing/2016/SVG/main" r:embed="rId26"/>
-              </a:ext>
-            </a:extLst>
-          </a:blip>
-          <a:srcRect/>
-          <a:stretch/>
-        </p:blipFill>
-        <p:spPr>
-          <a:xfrm>
-            <a:off x="336049" y="5356528"/>
-            <a:ext cx="720000" cy="720000"/>
-          </a:xfrm>
-          <a:prstGeom prst="rect">
-            <a:avLst/>
-          </a:prstGeom>
-        </p:spPr>
-      </p:pic>
-      <p:sp>
-        <p:nvSpPr>
-          <p:cNvPr id="27" name="CasellaDiTesto 26">
-            <a:extLst>
-              <a:ext uri="{FF2B5EF4-FFF2-40B4-BE49-F238E27FC236}">
-                <a16:creationId xmlns:a16="http://schemas.microsoft.com/office/drawing/2014/main" id="{65145F4B-87FA-4569-9E0F-A9491BB2FE2B}"/>
-              </a:ext>
-            </a:extLst>
-          </p:cNvPr>
-          <p:cNvSpPr txBox="1"/>
-          <p:nvPr/>
-        </p:nvSpPr>
-        <p:spPr>
-          <a:xfrm>
-            <a:off x="2213667" y="115301"/>
-            <a:ext cx="3140015" cy="677108"/>
-          </a:xfrm>
-          <a:prstGeom prst="rect">
-            <a:avLst/>
-          </a:prstGeom>
-          <a:noFill/>
-        </p:spPr>
-        <p:txBody>
-          <a:bodyPr wrap="square" rtlCol="0">
-            <a:spAutoFit/>
-          </a:bodyPr>
-          <a:lstStyle/>
-          <a:p>
-            <a:endParaRPr lang="it-IT" sz="2000" dirty="0"/>
-          </a:p>
-          <a:p>
-            <a:r>
-              <a:rPr lang="it-IT" dirty="0" err="1"/>
-              <a:t>adad</a:t>
-            </a:r>
-            <a:endParaRPr lang="it-IT" dirty="0"/>
-          </a:p>
-        </p:txBody>
-      </p:sp>
     </p:spTree>
     <p:extLst>
       <p:ext uri="{BB962C8B-B14F-4D97-AF65-F5344CB8AC3E}">
@@ -18704,13 +18868,13 @@
   <p:clrMapOvr>
     <a:masterClrMapping/>
   </p:clrMapOvr>
-  <mc:AlternateContent xmlns:mc="http://schemas.openxmlformats.org/markup-compatibility/2006">
-    <mc:Choice xmlns:p159="http://schemas.microsoft.com/office/powerpoint/2015/09/main" Requires="p159">
+  <mc:AlternateContent xmlns:mc="http://schemas.openxmlformats.org/markup-compatibility/2006" xmlns:p159="http://schemas.microsoft.com/office/powerpoint/2015/09/main">
+    <mc:Choice Requires="p159">
       <p:transition>
         <p159:morph option="byChar"/>
       </p:transition>
     </mc:Choice>
-    <mc:Fallback>
+    <mc:Fallback xmlns="">
       <p:transition>
         <p:fade/>
       </p:transition>
@@ -19573,7 +19737,7 @@
         </p:blipFill>
         <p:spPr>
           <a:xfrm>
-            <a:off x="1758743" y="319049"/>
+            <a:off x="1758743" y="381634"/>
             <a:ext cx="3732764" cy="1311566"/>
           </a:xfrm>
           <a:prstGeom prst="roundRect">
@@ -19775,7 +19939,7 @@
       </p:pic>
       <p:pic>
         <p:nvPicPr>
-          <p:cNvPr id="38" name="Elemento grafico 37" descr="Idrante antincendio rotto con riempimento a tinta unita">
+          <p:cNvPr id="38" name="Elemento grafico 37" descr="Volto alieno con riempimento a tinta unita">
             <a:extLst>
               <a:ext uri="{FF2B5EF4-FFF2-40B4-BE49-F238E27FC236}">
                 <a16:creationId xmlns:a16="http://schemas.microsoft.com/office/drawing/2014/main" id="{4DE0180C-9E5C-48AB-8BED-BA3476449E7C}"/>
@@ -19800,7 +19964,7 @@
         </p:blipFill>
         <p:spPr>
           <a:xfrm>
-            <a:off x="336049" y="5356528"/>
+            <a:off x="265779" y="5356528"/>
             <a:ext cx="720000" cy="720000"/>
           </a:xfrm>
           <a:prstGeom prst="rect">
@@ -19829,7 +19993,7 @@
         </p:blipFill>
         <p:spPr>
           <a:xfrm>
-            <a:off x="5779021" y="4325941"/>
+            <a:off x="5779021" y="4450860"/>
             <a:ext cx="5544295" cy="1987467"/>
           </a:xfrm>
           <a:prstGeom prst="roundRect">
@@ -21159,7 +21323,7 @@
       </p:pic>
       <p:pic>
         <p:nvPicPr>
-          <p:cNvPr id="34" name="Elemento grafico 33" descr="Idrante antincendio rotto con riempimento a tinta unita">
+          <p:cNvPr id="34" name="Elemento grafico 33" descr="Volto alieno con riempimento a tinta unita">
             <a:extLst>
               <a:ext uri="{FF2B5EF4-FFF2-40B4-BE49-F238E27FC236}">
                 <a16:creationId xmlns:a16="http://schemas.microsoft.com/office/drawing/2014/main" id="{FAE47147-8688-4F1C-9CB4-37838A50856C}"/>
@@ -21184,7 +21348,7 @@
         </p:blipFill>
         <p:spPr>
           <a:xfrm>
-            <a:off x="927886" y="5356528"/>
+            <a:off x="900787" y="5403125"/>
             <a:ext cx="720000" cy="720000"/>
           </a:xfrm>
           <a:prstGeom prst="rect">
@@ -21243,7 +21407,7 @@
         <p:spPr>
           <a:xfrm>
             <a:off x="2286000" y="1416538"/>
-            <a:ext cx="8676277" cy="4893647"/>
+            <a:ext cx="8676277" cy="4524315"/>
           </a:xfrm>
           <a:prstGeom prst="rect">
             <a:avLst/>
@@ -21334,16 +21498,13 @@
             </a:pPr>
             <a:r>
               <a:rPr lang="it-IT" sz="2400" dirty="0"/>
-              <a:t>Output di compilazione limitato soltanto a due eseguibili (server e client), necessaria l’esecuzione del </a:t>
+              <a:t>Inizializzazione realizzata nell’implementazione per non modificare i file auto-generati da </a:t>
             </a:r>
             <a:r>
               <a:rPr lang="it-IT" sz="2400" dirty="0" err="1"/>
-              <a:t>rpcbind</a:t>
+              <a:t>rpc</a:t>
             </a:r>
-            <a:r>
-              <a:rPr lang="it-IT" sz="2400" dirty="0"/>
-              <a:t> (port-mapper) lato server</a:t>
-            </a:r>
+            <a:endParaRPr lang="it-IT" sz="2400" dirty="0"/>
           </a:p>
         </p:txBody>
       </p:sp>
@@ -22214,6 +22375,21 @@
 </file>
 
 <file path=customXml/item1.xml><?xml version="1.0" encoding="utf-8"?>
+<?mso-contentType ?>
+<FormTemplates xmlns="http://schemas.microsoft.com/sharepoint/v3/contenttype/forms">
+  <Display>DocumentLibraryForm</Display>
+  <Edit>DocumentLibraryForm</Edit>
+  <New>DocumentLibraryForm</New>
+</FormTemplates>
+</file>
+
+<file path=customXml/item2.xml><?xml version="1.0" encoding="utf-8"?>
+<p:properties xmlns:p="http://schemas.microsoft.com/office/2006/metadata/properties" xmlns:xsi="http://www.w3.org/2001/XMLSchema-instance" xmlns:pc="http://schemas.microsoft.com/office/infopath/2007/PartnerControls">
+  <documentManagement/>
+</p:properties>
+</file>
+
+<file path=customXml/item3.xml><?xml version="1.0" encoding="utf-8"?>
 <ct:contentTypeSchema xmlns:ct="http://schemas.microsoft.com/office/2006/metadata/contentType" xmlns:ma="http://schemas.microsoft.com/office/2006/metadata/properties/metaAttributes" ct:_="" ma:_="" ma:contentTypeName="Document" ma:contentTypeID="0x010100F6544C1E39CC704E9B655547C2A8EEA9" ma:contentTypeVersion="2" ma:contentTypeDescription="Create a new document." ma:contentTypeScope="" ma:versionID="3fe2086bbb13892a04151ef672109fb5">
   <xsd:schema xmlns:xsd="http://www.w3.org/2001/XMLSchema" xmlns:xs="http://www.w3.org/2001/XMLSchema" xmlns:p="http://schemas.microsoft.com/office/2006/metadata/properties" xmlns:ns3="b4ea0a96-3951-4160-baca-c74dadb8c17f" targetNamespace="http://schemas.microsoft.com/office/2006/metadata/properties" ma:root="true" ma:fieldsID="00c6c909f9b37d6c43d157d3aea4a463" ns3:_="">
     <xsd:import namespace="b4ea0a96-3951-4160-baca-c74dadb8c17f"/>
@@ -22345,35 +22521,10 @@
 </ct:contentTypeSchema>
 </file>
 
-<file path=customXml/item2.xml><?xml version="1.0" encoding="utf-8"?>
-<p:properties xmlns:p="http://schemas.microsoft.com/office/2006/metadata/properties" xmlns:xsi="http://www.w3.org/2001/XMLSchema-instance" xmlns:pc="http://schemas.microsoft.com/office/infopath/2007/PartnerControls">
-  <documentManagement/>
-</p:properties>
-</file>
-
-<file path=customXml/item3.xml><?xml version="1.0" encoding="utf-8"?>
-<?mso-contentType ?>
-<FormTemplates xmlns="http://schemas.microsoft.com/sharepoint/v3/contenttype/forms">
-  <Display>DocumentLibraryForm</Display>
-  <Edit>DocumentLibraryForm</Edit>
-  <New>DocumentLibraryForm</New>
-</FormTemplates>
-</file>
-
 <file path=customXml/itemProps1.xml><?xml version="1.0" encoding="utf-8"?>
-<ds:datastoreItem xmlns:ds="http://schemas.openxmlformats.org/officeDocument/2006/customXml" ds:itemID="{44ED1FCC-97A6-4B60-A765-2D292F04234A}">
+<ds:datastoreItem xmlns:ds="http://schemas.openxmlformats.org/officeDocument/2006/customXml" ds:itemID="{3057252C-AA3B-4053-A64D-51B970623905}">
   <ds:schemaRefs>
-    <ds:schemaRef ds:uri="http://schemas.microsoft.com/office/2006/metadata/contentType"/>
-    <ds:schemaRef ds:uri="http://schemas.microsoft.com/office/2006/metadata/properties/metaAttributes"/>
-    <ds:schemaRef ds:uri="http://www.w3.org/2001/XMLSchema"/>
-    <ds:schemaRef ds:uri="http://schemas.microsoft.com/office/2006/metadata/properties"/>
-    <ds:schemaRef ds:uri="b4ea0a96-3951-4160-baca-c74dadb8c17f"/>
-    <ds:schemaRef ds:uri="http://schemas.microsoft.com/office/2006/documentManagement/types"/>
-    <ds:schemaRef ds:uri="http://schemas.microsoft.com/office/infopath/2007/PartnerControls"/>
-    <ds:schemaRef ds:uri="http://schemas.openxmlformats.org/package/2006/metadata/core-properties"/>
-    <ds:schemaRef ds:uri="http://purl.org/dc/elements/1.1/"/>
-    <ds:schemaRef ds:uri="http://purl.org/dc/terms/"/>
-    <ds:schemaRef ds:uri="http://schemas.microsoft.com/internal/obd"/>
+    <ds:schemaRef ds:uri="http://schemas.microsoft.com/sharepoint/v3/contenttype/forms"/>
   </ds:schemaRefs>
 </ds:datastoreItem>
 </file>
@@ -22395,9 +22546,19 @@
 </file>
 
 <file path=customXml/itemProps3.xml><?xml version="1.0" encoding="utf-8"?>
-<ds:datastoreItem xmlns:ds="http://schemas.openxmlformats.org/officeDocument/2006/customXml" ds:itemID="{3057252C-AA3B-4053-A64D-51B970623905}">
+<ds:datastoreItem xmlns:ds="http://schemas.openxmlformats.org/officeDocument/2006/customXml" ds:itemID="{44ED1FCC-97A6-4B60-A765-2D292F04234A}">
   <ds:schemaRefs>
-    <ds:schemaRef ds:uri="http://schemas.microsoft.com/sharepoint/v3/contenttype/forms"/>
+    <ds:schemaRef ds:uri="http://schemas.microsoft.com/office/2006/metadata/contentType"/>
+    <ds:schemaRef ds:uri="http://schemas.microsoft.com/office/2006/metadata/properties/metaAttributes"/>
+    <ds:schemaRef ds:uri="http://www.w3.org/2001/XMLSchema"/>
+    <ds:schemaRef ds:uri="http://schemas.microsoft.com/office/2006/metadata/properties"/>
+    <ds:schemaRef ds:uri="b4ea0a96-3951-4160-baca-c74dadb8c17f"/>
+    <ds:schemaRef ds:uri="http://schemas.microsoft.com/office/2006/documentManagement/types"/>
+    <ds:schemaRef ds:uri="http://schemas.microsoft.com/office/infopath/2007/PartnerControls"/>
+    <ds:schemaRef ds:uri="http://schemas.openxmlformats.org/package/2006/metadata/core-properties"/>
+    <ds:schemaRef ds:uri="http://purl.org/dc/elements/1.1/"/>
+    <ds:schemaRef ds:uri="http://purl.org/dc/terms/"/>
+    <ds:schemaRef ds:uri="http://schemas.microsoft.com/internal/obd"/>
   </ds:schemaRefs>
 </ds:datastoreItem>
 </file>